--- a/peotide_identification.pptx
+++ b/peotide_identification.pptx
@@ -76,10 +76,10 @@
         </a:solidFill>
         <a:effectLst/>
         <a:uFillTx/>
-        <a:latin typeface="+mj-lt"/>
-        <a:ea typeface="+mj-ea"/>
-        <a:cs typeface="+mj-cs"/>
-        <a:sym typeface="Calibri"/>
+        <a:latin typeface="+mn-lt"/>
+        <a:ea typeface="+mn-ea"/>
+        <a:cs typeface="+mn-cs"/>
+        <a:sym typeface="Helvetica"/>
       </a:defRPr>
     </a:lvl1pPr>
     <a:lvl2pPr marL="0" marR="0" indent="0" algn="l" defTabSz="457200" rtl="0" fontAlgn="auto" latinLnBrk="0" hangingPunct="0">
@@ -106,10 +106,10 @@
         </a:solidFill>
         <a:effectLst/>
         <a:uFillTx/>
-        <a:latin typeface="+mj-lt"/>
-        <a:ea typeface="+mj-ea"/>
-        <a:cs typeface="+mj-cs"/>
-        <a:sym typeface="Calibri"/>
+        <a:latin typeface="+mn-lt"/>
+        <a:ea typeface="+mn-ea"/>
+        <a:cs typeface="+mn-cs"/>
+        <a:sym typeface="Helvetica"/>
       </a:defRPr>
     </a:lvl2pPr>
     <a:lvl3pPr marL="0" marR="0" indent="0" algn="l" defTabSz="457200" rtl="0" fontAlgn="auto" latinLnBrk="0" hangingPunct="0">
@@ -136,10 +136,10 @@
         </a:solidFill>
         <a:effectLst/>
         <a:uFillTx/>
-        <a:latin typeface="+mj-lt"/>
-        <a:ea typeface="+mj-ea"/>
-        <a:cs typeface="+mj-cs"/>
-        <a:sym typeface="Calibri"/>
+        <a:latin typeface="+mn-lt"/>
+        <a:ea typeface="+mn-ea"/>
+        <a:cs typeface="+mn-cs"/>
+        <a:sym typeface="Helvetica"/>
       </a:defRPr>
     </a:lvl3pPr>
     <a:lvl4pPr marL="0" marR="0" indent="0" algn="l" defTabSz="457200" rtl="0" fontAlgn="auto" latinLnBrk="0" hangingPunct="0">
@@ -166,10 +166,10 @@
         </a:solidFill>
         <a:effectLst/>
         <a:uFillTx/>
-        <a:latin typeface="+mj-lt"/>
-        <a:ea typeface="+mj-ea"/>
-        <a:cs typeface="+mj-cs"/>
-        <a:sym typeface="Calibri"/>
+        <a:latin typeface="+mn-lt"/>
+        <a:ea typeface="+mn-ea"/>
+        <a:cs typeface="+mn-cs"/>
+        <a:sym typeface="Helvetica"/>
       </a:defRPr>
     </a:lvl4pPr>
     <a:lvl5pPr marL="0" marR="0" indent="0" algn="l" defTabSz="457200" rtl="0" fontAlgn="auto" latinLnBrk="0" hangingPunct="0">
@@ -196,10 +196,10 @@
         </a:solidFill>
         <a:effectLst/>
         <a:uFillTx/>
-        <a:latin typeface="+mj-lt"/>
-        <a:ea typeface="+mj-ea"/>
-        <a:cs typeface="+mj-cs"/>
-        <a:sym typeface="Calibri"/>
+        <a:latin typeface="+mn-lt"/>
+        <a:ea typeface="+mn-ea"/>
+        <a:cs typeface="+mn-cs"/>
+        <a:sym typeface="Helvetica"/>
       </a:defRPr>
     </a:lvl5pPr>
     <a:lvl6pPr marL="0" marR="0" indent="0" algn="l" defTabSz="457200" rtl="0" fontAlgn="auto" latinLnBrk="0" hangingPunct="0">
@@ -226,10 +226,10 @@
         </a:solidFill>
         <a:effectLst/>
         <a:uFillTx/>
-        <a:latin typeface="+mj-lt"/>
-        <a:ea typeface="+mj-ea"/>
-        <a:cs typeface="+mj-cs"/>
-        <a:sym typeface="Calibri"/>
+        <a:latin typeface="+mn-lt"/>
+        <a:ea typeface="+mn-ea"/>
+        <a:cs typeface="+mn-cs"/>
+        <a:sym typeface="Helvetica"/>
       </a:defRPr>
     </a:lvl6pPr>
     <a:lvl7pPr marL="0" marR="0" indent="0" algn="l" defTabSz="457200" rtl="0" fontAlgn="auto" latinLnBrk="0" hangingPunct="0">
@@ -256,10 +256,10 @@
         </a:solidFill>
         <a:effectLst/>
         <a:uFillTx/>
-        <a:latin typeface="+mj-lt"/>
-        <a:ea typeface="+mj-ea"/>
-        <a:cs typeface="+mj-cs"/>
-        <a:sym typeface="Calibri"/>
+        <a:latin typeface="+mn-lt"/>
+        <a:ea typeface="+mn-ea"/>
+        <a:cs typeface="+mn-cs"/>
+        <a:sym typeface="Helvetica"/>
       </a:defRPr>
     </a:lvl7pPr>
     <a:lvl8pPr marL="0" marR="0" indent="0" algn="l" defTabSz="457200" rtl="0" fontAlgn="auto" latinLnBrk="0" hangingPunct="0">
@@ -286,10 +286,10 @@
         </a:solidFill>
         <a:effectLst/>
         <a:uFillTx/>
-        <a:latin typeface="+mj-lt"/>
-        <a:ea typeface="+mj-ea"/>
-        <a:cs typeface="+mj-cs"/>
-        <a:sym typeface="Calibri"/>
+        <a:latin typeface="+mn-lt"/>
+        <a:ea typeface="+mn-ea"/>
+        <a:cs typeface="+mn-cs"/>
+        <a:sym typeface="Helvetica"/>
       </a:defRPr>
     </a:lvl8pPr>
     <a:lvl9pPr marL="0" marR="0" indent="0" algn="l" defTabSz="457200" rtl="0" fontAlgn="auto" latinLnBrk="0" hangingPunct="0">
@@ -316,10 +316,10 @@
         </a:solidFill>
         <a:effectLst/>
         <a:uFillTx/>
-        <a:latin typeface="+mj-lt"/>
-        <a:ea typeface="+mj-ea"/>
-        <a:cs typeface="+mj-cs"/>
-        <a:sym typeface="Calibri"/>
+        <a:latin typeface="+mn-lt"/>
+        <a:ea typeface="+mn-ea"/>
+        <a:cs typeface="+mn-cs"/>
+        <a:sym typeface="Helvetica"/>
       </a:defRPr>
     </a:lvl9pPr>
   </p:defaultTextStyle>
@@ -836,7 +836,7 @@
         <p:spPr>
           <a:xfrm>
             <a:off x="722312" y="2906713"/>
-            <a:ext cx="7772401" cy="1500191"/>
+            <a:ext cx="7772401" cy="1500192"/>
           </a:xfrm>
           <a:prstGeom prst="rect">
             <a:avLst/>
@@ -1279,7 +1279,7 @@
         <p:spPr>
           <a:xfrm>
             <a:off x="4645025" y="1535111"/>
-            <a:ext cx="4041775" cy="639767"/>
+            <a:ext cx="4041775" cy="639768"/>
           </a:xfrm>
           <a:prstGeom prst="rect">
             <a:avLst/>
@@ -1688,7 +1688,7 @@
         <p:spPr>
           <a:xfrm>
             <a:off x="1792288" y="5367337"/>
-            <a:ext cx="5486404" cy="804866"/>
+            <a:ext cx="5486404" cy="804867"/>
           </a:xfrm>
           <a:prstGeom prst="rect">
             <a:avLst/>
@@ -1960,6 +1960,10 @@
                 <a:solidFill>
                   <a:srgbClr val="888888"/>
                 </a:solidFill>
+                <a:latin typeface="+mj-lt"/>
+                <a:ea typeface="+mj-ea"/>
+                <a:cs typeface="+mj-cs"/>
+                <a:sym typeface="Calibri"/>
               </a:defRPr>
             </a:lvl1pPr>
           </a:lstStyle>
@@ -2772,7 +2776,12 @@
           </a:bodyPr>
           <a:lstStyle>
             <a:lvl1pPr>
-              <a:defRPr sz="3800"/>
+              <a:defRPr sz="3800">
+                <a:latin typeface="+mj-lt"/>
+                <a:ea typeface="+mj-ea"/>
+                <a:cs typeface="+mj-cs"/>
+                <a:sym typeface="Calibri"/>
+              </a:defRPr>
             </a:lvl1pPr>
           </a:lstStyle>
           <a:p>
@@ -2792,7 +2801,7 @@
         <p:spPr>
           <a:xfrm>
             <a:off x="3456061" y="5222535"/>
-            <a:ext cx="2787788" cy="535937"/>
+            <a:ext cx="2787789" cy="535937"/>
           </a:xfrm>
           <a:prstGeom prst="rect">
             <a:avLst/>
@@ -2812,7 +2821,12 @@
           </a:bodyPr>
           <a:lstStyle>
             <a:lvl1pPr>
-              <a:defRPr sz="2800"/>
+              <a:defRPr sz="2800">
+                <a:latin typeface="+mj-lt"/>
+                <a:ea typeface="+mj-ea"/>
+                <a:cs typeface="+mj-cs"/>
+                <a:sym typeface="Calibri"/>
+              </a:defRPr>
             </a:lvl1pPr>
           </a:lstStyle>
           <a:p>
@@ -2869,7 +2883,7 @@
         <p:spPr>
           <a:xfrm>
             <a:off x="2064621" y="3616147"/>
-            <a:ext cx="4046938" cy="2883439"/>
+            <a:ext cx="4046938" cy="2883440"/>
           </a:xfrm>
           <a:prstGeom prst="rect">
             <a:avLst/>
@@ -2887,10 +2901,10 @@
         </p:nvGrpSpPr>
         <p:grpSpPr>
           <a:xfrm>
-            <a:off x="408009" y="751231"/>
-            <a:ext cx="7704998" cy="2900150"/>
-            <a:chOff x="-1" y="0"/>
-            <a:chExt cx="7704996" cy="2900149"/>
+            <a:off x="408006" y="751231"/>
+            <a:ext cx="7705003" cy="2900152"/>
+            <a:chOff x="-2" y="0"/>
+            <a:chExt cx="7705001" cy="2900151"/>
           </a:xfrm>
         </p:grpSpPr>
         <p:pic>
@@ -2912,8 +2926,8 @@
           </p:blipFill>
           <p:spPr>
             <a:xfrm>
-              <a:off x="4504874" y="8465"/>
-              <a:ext cx="3200122" cy="2883358"/>
+              <a:off x="4504876" y="8465"/>
+              <a:ext cx="3200123" cy="2883359"/>
             </a:xfrm>
             <a:prstGeom prst="rect">
               <a:avLst/>
@@ -2933,7 +2947,7 @@
           </p:nvSpPr>
           <p:spPr>
             <a:xfrm>
-              <a:off x="5224368" y="686845"/>
+              <a:off x="5224370" y="686845"/>
               <a:ext cx="351316" cy="243837"/>
             </a:xfrm>
             <a:prstGeom prst="rect">
@@ -2961,10 +2975,6 @@
                   <a:solidFill>
                     <a:srgbClr val="FFFFFF"/>
                   </a:solidFill>
-                  <a:latin typeface="+mn-lt"/>
-                  <a:ea typeface="+mn-ea"/>
-                  <a:cs typeface="+mn-cs"/>
-                  <a:sym typeface="Helvetica"/>
                 </a:defRPr>
               </a:lvl1pPr>
             </a:lstStyle>
@@ -2984,7 +2994,7 @@
           </p:nvSpPr>
           <p:spPr>
             <a:xfrm>
-              <a:off x="6380068" y="1779046"/>
+              <a:off x="6380070" y="1779046"/>
               <a:ext cx="351316" cy="243837"/>
             </a:xfrm>
             <a:prstGeom prst="rect">
@@ -3012,10 +3022,6 @@
                   <a:solidFill>
                     <a:srgbClr val="FFFFFF"/>
                   </a:solidFill>
-                  <a:latin typeface="+mn-lt"/>
-                  <a:ea typeface="+mn-ea"/>
-                  <a:cs typeface="+mn-cs"/>
-                  <a:sym typeface="Helvetica"/>
                 </a:defRPr>
               </a:lvl1pPr>
             </a:lstStyle>
@@ -3035,10 +3041,10 @@
           </p:nvGrpSpPr>
           <p:grpSpPr>
             <a:xfrm>
-              <a:off x="-2" y="0"/>
-              <a:ext cx="6732949" cy="2900150"/>
-              <a:chOff x="0" y="0"/>
-              <a:chExt cx="6732948" cy="2900149"/>
+              <a:off x="-3" y="0"/>
+              <a:ext cx="6732954" cy="2900152"/>
+              <a:chOff x="-1" y="0"/>
+              <a:chExt cx="6732953" cy="2900151"/>
             </a:xfrm>
           </p:grpSpPr>
           <p:pic>
@@ -3060,8 +3066,8 @@
             </p:blipFill>
             <p:spPr>
               <a:xfrm>
-                <a:off x="-1" y="0"/>
-                <a:ext cx="3243934" cy="2900150"/>
+                <a:off x="-2" y="0"/>
+                <a:ext cx="3243937" cy="2900152"/>
               </a:xfrm>
               <a:prstGeom prst="rect">
                 <a:avLst/>
@@ -3082,7 +3088,7 @@
             <p:spPr>
               <a:xfrm>
                 <a:off x="699306" y="683524"/>
-                <a:ext cx="352846" cy="243837"/>
+                <a:ext cx="352847" cy="243837"/>
               </a:xfrm>
               <a:prstGeom prst="rect">
                 <a:avLst/>
@@ -3109,10 +3115,6 @@
                     <a:solidFill>
                       <a:srgbClr val="FFFFFF"/>
                     </a:solidFill>
-                    <a:latin typeface="+mn-lt"/>
-                    <a:ea typeface="+mn-ea"/>
-                    <a:cs typeface="+mn-cs"/>
-                    <a:sym typeface="Helvetica"/>
                   </a:defRPr>
                 </a:lvl1pPr>
               </a:lstStyle>
@@ -3132,8 +3134,8 @@
             </p:nvSpPr>
             <p:spPr>
               <a:xfrm>
-                <a:off x="1923812" y="1793233"/>
-                <a:ext cx="352846" cy="243837"/>
+                <a:off x="1923812" y="1793234"/>
+                <a:ext cx="352847" cy="243837"/>
               </a:xfrm>
               <a:prstGeom prst="rect">
                 <a:avLst/>
@@ -3160,10 +3162,6 @@
                     <a:solidFill>
                       <a:srgbClr val="FFFFFF"/>
                     </a:solidFill>
-                    <a:latin typeface="+mn-lt"/>
-                    <a:ea typeface="+mn-ea"/>
-                    <a:cs typeface="+mn-cs"/>
-                    <a:sym typeface="Helvetica"/>
                   </a:defRPr>
                 </a:lvl1pPr>
               </a:lstStyle>
@@ -3184,7 +3182,7 @@
             <p:spPr>
               <a:xfrm>
                 <a:off x="1928515" y="683524"/>
-                <a:ext cx="343440" cy="243837"/>
+                <a:ext cx="343441" cy="243837"/>
               </a:xfrm>
               <a:prstGeom prst="rect">
                 <a:avLst/>
@@ -3207,12 +3205,7 @@
               </a:bodyPr>
               <a:lstStyle>
                 <a:lvl1pPr>
-                  <a:defRPr sz="1000">
-                    <a:latin typeface="+mn-lt"/>
-                    <a:ea typeface="+mn-ea"/>
-                    <a:cs typeface="+mn-cs"/>
-                    <a:sym typeface="Helvetica"/>
-                  </a:defRPr>
+                  <a:defRPr sz="1000"/>
                 </a:lvl1pPr>
               </a:lstStyle>
               <a:p>
@@ -3231,7 +3224,50 @@
             </p:nvSpPr>
             <p:spPr>
               <a:xfrm>
-                <a:off x="699306" y="1793233"/>
+                <a:off x="699306" y="1793234"/>
+                <a:ext cx="352847" cy="243837"/>
+              </a:xfrm>
+              <a:prstGeom prst="rect">
+                <a:avLst/>
+              </a:prstGeom>
+              <a:noFill/>
+              <a:ln w="12700" cap="flat">
+                <a:noFill/>
+                <a:miter lim="400000"/>
+              </a:ln>
+              <a:effectLst/>
+              <a:extLst>
+                <a:ext uri="{C572A759-6A51-4108-AA02-DFA0A04FC94B}">
+                  <ma14:wrappingTextBoxFlag xmlns:ma14="http://schemas.microsoft.com/office/mac/drawingml/2011/main" val="1"/>
+                </a:ext>
+              </a:extLst>
+            </p:spPr>
+            <p:txBody>
+              <a:bodyPr wrap="square" lIns="45718" tIns="45718" rIns="45718" bIns="45718" numCol="1" anchor="t">
+                <a:spAutoFit/>
+              </a:bodyPr>
+              <a:lstStyle>
+                <a:lvl1pPr>
+                  <a:defRPr sz="1000"/>
+                </a:lvl1pPr>
+              </a:lstStyle>
+              <a:p>
+                <a:pPr/>
+                <a:r>
+                  <a:t>0.00</a:t>
+                </a:r>
+              </a:p>
+            </p:txBody>
+          </p:sp>
+          <p:sp>
+            <p:nvSpPr>
+              <p:cNvPr id="212" name="0.16"/>
+              <p:cNvSpPr txBox="1"/>
+              <p:nvPr/>
+            </p:nvSpPr>
+            <p:spPr>
+              <a:xfrm>
+                <a:off x="6380106" y="683524"/>
                 <a:ext cx="352846" cy="243837"/>
               </a:xfrm>
               <a:prstGeom prst="rect">
@@ -3255,60 +3291,7 @@
               </a:bodyPr>
               <a:lstStyle>
                 <a:lvl1pPr>
-                  <a:defRPr sz="1000">
-                    <a:latin typeface="+mn-lt"/>
-                    <a:ea typeface="+mn-ea"/>
-                    <a:cs typeface="+mn-cs"/>
-                    <a:sym typeface="Helvetica"/>
-                  </a:defRPr>
-                </a:lvl1pPr>
-              </a:lstStyle>
-              <a:p>
-                <a:pPr/>
-                <a:r>
-                  <a:t>0.00</a:t>
-                </a:r>
-              </a:p>
-            </p:txBody>
-          </p:sp>
-          <p:sp>
-            <p:nvSpPr>
-              <p:cNvPr id="212" name="0.16"/>
-              <p:cNvSpPr txBox="1"/>
-              <p:nvPr/>
-            </p:nvSpPr>
-            <p:spPr>
-              <a:xfrm>
-                <a:off x="6380104" y="683524"/>
-                <a:ext cx="352845" cy="243837"/>
-              </a:xfrm>
-              <a:prstGeom prst="rect">
-                <a:avLst/>
-              </a:prstGeom>
-              <a:noFill/>
-              <a:ln w="12700" cap="flat">
-                <a:noFill/>
-                <a:miter lim="400000"/>
-              </a:ln>
-              <a:effectLst/>
-              <a:extLst>
-                <a:ext uri="{C572A759-6A51-4108-AA02-DFA0A04FC94B}">
-                  <ma14:wrappingTextBoxFlag xmlns:ma14="http://schemas.microsoft.com/office/mac/drawingml/2011/main" val="1"/>
-                </a:ext>
-              </a:extLst>
-            </p:spPr>
-            <p:txBody>
-              <a:bodyPr wrap="square" lIns="45718" tIns="45718" rIns="45718" bIns="45718" numCol="1" anchor="t">
-                <a:spAutoFit/>
-              </a:bodyPr>
-              <a:lstStyle>
-                <a:lvl1pPr>
-                  <a:defRPr sz="1000">
-                    <a:latin typeface="+mn-lt"/>
-                    <a:ea typeface="+mn-ea"/>
-                    <a:cs typeface="+mn-cs"/>
-                    <a:sym typeface="Helvetica"/>
-                  </a:defRPr>
+                  <a:defRPr sz="1000"/>
                 </a:lvl1pPr>
               </a:lstStyle>
               <a:p>
@@ -3328,7 +3311,7 @@
           </p:nvSpPr>
           <p:spPr>
             <a:xfrm>
-              <a:off x="5229049" y="1779046"/>
+              <a:off x="5229051" y="1779046"/>
               <a:ext cx="351316" cy="243837"/>
             </a:xfrm>
             <a:prstGeom prst="rect">
@@ -3352,12 +3335,7 @@
             </a:bodyPr>
             <a:lstStyle>
               <a:lvl1pPr>
-                <a:defRPr sz="1000">
-                  <a:latin typeface="+mn-lt"/>
-                  <a:ea typeface="+mn-ea"/>
-                  <a:cs typeface="+mn-cs"/>
-                  <a:sym typeface="Helvetica"/>
-                </a:defRPr>
+                <a:defRPr sz="1000"/>
               </a:lvl1pPr>
             </a:lstStyle>
             <a:p>
@@ -3404,7 +3382,7 @@
         <p:spPr>
           <a:xfrm>
             <a:off x="461753" y="148606"/>
-            <a:ext cx="7954523" cy="1082037"/>
+            <a:ext cx="8128155" cy="1082037"/>
           </a:xfrm>
           <a:prstGeom prst="rect">
             <a:avLst/>
@@ -3424,13 +3402,18 @@
           </a:bodyPr>
           <a:lstStyle>
             <a:lvl1pPr>
-              <a:defRPr sz="3200"/>
+              <a:defRPr sz="3200">
+                <a:latin typeface="+mj-lt"/>
+                <a:ea typeface="+mj-ea"/>
+                <a:cs typeface="+mj-cs"/>
+                <a:sym typeface="Calibri"/>
+              </a:defRPr>
             </a:lvl1pPr>
           </a:lstStyle>
           <a:p>
             <a:pPr/>
             <a:r>
-              <a:t>Comparison of peptides identified by K-NN and database search</a:t>
+              <a:t>Comparison of  a small subset of  100 peptides identified by K-NN search and database mapping</a:t>
             </a:r>
           </a:p>
         </p:txBody>
@@ -3454,8 +3437,8 @@
         </p:blipFill>
         <p:spPr>
           <a:xfrm>
-            <a:off x="664149" y="1309429"/>
-            <a:ext cx="5565123" cy="2799490"/>
+            <a:off x="664148" y="1309429"/>
+            <a:ext cx="5565125" cy="2799490"/>
           </a:xfrm>
           <a:prstGeom prst="rect">
             <a:avLst/>
@@ -3484,8 +3467,8 @@
         </p:blipFill>
         <p:spPr>
           <a:xfrm>
-            <a:off x="1224857" y="4120408"/>
-            <a:ext cx="4951279" cy="2718370"/>
+            <a:off x="1224856" y="4120408"/>
+            <a:ext cx="4951281" cy="2718371"/>
           </a:xfrm>
           <a:prstGeom prst="rect">
             <a:avLst/>
@@ -3522,7 +3505,16 @@
           <a:bodyPr wrap="none" lIns="45718" tIns="45718" rIns="45718" bIns="45718">
             <a:spAutoFit/>
           </a:bodyPr>
-          <a:lstStyle/>
+          <a:lstStyle>
+            <a:lvl1pPr>
+              <a:defRPr>
+                <a:latin typeface="+mj-lt"/>
+                <a:ea typeface="+mj-ea"/>
+                <a:cs typeface="+mj-cs"/>
+                <a:sym typeface="Calibri"/>
+              </a:defRPr>
+            </a:lvl1pPr>
+          </a:lstStyle>
           <a:p>
             <a:pPr/>
             <a:r>
@@ -3558,7 +3550,16 @@
           <a:bodyPr wrap="none" lIns="45718" tIns="45718" rIns="45718" bIns="45718">
             <a:spAutoFit/>
           </a:bodyPr>
-          <a:lstStyle/>
+          <a:lstStyle>
+            <a:lvl1pPr>
+              <a:defRPr>
+                <a:latin typeface="+mj-lt"/>
+                <a:ea typeface="+mj-ea"/>
+                <a:cs typeface="+mj-cs"/>
+                <a:sym typeface="Calibri"/>
+              </a:defRPr>
+            </a:lvl1pPr>
+          </a:lstStyle>
           <a:p>
             <a:pPr/>
             <a:r>
@@ -3613,7 +3614,7 @@
         <p:spPr>
           <a:xfrm>
             <a:off x="402303" y="961316"/>
-            <a:ext cx="6708769" cy="1316125"/>
+            <a:ext cx="6708769" cy="1316126"/>
           </a:xfrm>
           <a:prstGeom prst="rect">
             <a:avLst/>
@@ -3632,7 +3633,7 @@
         <p:spPr>
           <a:xfrm>
             <a:off x="1157367" y="270267"/>
-            <a:ext cx="6661702" cy="586737"/>
+            <a:ext cx="7095487" cy="586737"/>
           </a:xfrm>
           <a:prstGeom prst="rect">
             <a:avLst/>
@@ -3652,13 +3653,18 @@
           </a:bodyPr>
           <a:lstStyle>
             <a:lvl1pPr>
-              <a:defRPr sz="3200"/>
+              <a:defRPr sz="3200">
+                <a:latin typeface="+mj-lt"/>
+                <a:ea typeface="+mj-ea"/>
+                <a:cs typeface="+mj-cs"/>
+                <a:sym typeface="Calibri"/>
+              </a:defRPr>
             </a:lvl1pPr>
           </a:lstStyle>
           <a:p>
             <a:pPr/>
             <a:r>
-              <a:t>Validation of results with umap - mouse</a:t>
+              <a:t>Visualisation of results with umap - mouse</a:t>
             </a:r>
           </a:p>
         </p:txBody>
@@ -3682,8 +3688,8 @@
         </p:blipFill>
         <p:spPr>
           <a:xfrm>
-            <a:off x="219116" y="2634489"/>
-            <a:ext cx="3243242" cy="2388987"/>
+            <a:off x="219116" y="2634488"/>
+            <a:ext cx="3243242" cy="2388988"/>
           </a:xfrm>
           <a:prstGeom prst="rect">
             <a:avLst/>
@@ -3712,8 +3718,8 @@
         </p:blipFill>
         <p:spPr>
           <a:xfrm>
-            <a:off x="3449620" y="2023566"/>
-            <a:ext cx="5725358" cy="4396453"/>
+            <a:off x="3449620" y="2023565"/>
+            <a:ext cx="5725358" cy="4396455"/>
           </a:xfrm>
           <a:prstGeom prst="rect">
             <a:avLst/>
@@ -3750,7 +3756,16 @@
           <a:bodyPr wrap="none" lIns="45718" tIns="45718" rIns="45718" bIns="45718">
             <a:spAutoFit/>
           </a:bodyPr>
-          <a:lstStyle/>
+          <a:lstStyle>
+            <a:lvl1pPr>
+              <a:defRPr>
+                <a:latin typeface="+mj-lt"/>
+                <a:ea typeface="+mj-ea"/>
+                <a:cs typeface="+mj-cs"/>
+                <a:sym typeface="Calibri"/>
+              </a:defRPr>
+            </a:lvl1pPr>
+          </a:lstStyle>
           <a:p>
             <a:pPr/>
             <a:r>
@@ -3767,8 +3782,8 @@
         </p:nvSpPr>
         <p:spPr>
           <a:xfrm flipV="1">
-            <a:off x="1266228" y="2972200"/>
-            <a:ext cx="3929636" cy="471336"/>
+            <a:off x="1266227" y="2972199"/>
+            <a:ext cx="3929638" cy="471337"/>
           </a:xfrm>
           <a:prstGeom prst="line">
             <a:avLst/>
@@ -3803,7 +3818,7 @@
         </p:nvSpPr>
         <p:spPr>
           <a:xfrm>
-            <a:off x="366123" y="5059014"/>
+            <a:off x="366122" y="5059014"/>
             <a:ext cx="2606459" cy="370837"/>
           </a:xfrm>
           <a:prstGeom prst="rect">
@@ -3822,7 +3837,16 @@
           <a:bodyPr wrap="none" lIns="45718" tIns="45718" rIns="45718" bIns="45718">
             <a:spAutoFit/>
           </a:bodyPr>
-          <a:lstStyle/>
+          <a:lstStyle>
+            <a:lvl1pPr>
+              <a:defRPr>
+                <a:latin typeface="+mj-lt"/>
+                <a:ea typeface="+mj-ea"/>
+                <a:cs typeface="+mj-cs"/>
+                <a:sym typeface="Calibri"/>
+              </a:defRPr>
+            </a:lvl1pPr>
+          </a:lstStyle>
           <a:p>
             <a:pPr/>
             <a:r>
@@ -3865,8 +3889,8 @@
         </p:nvSpPr>
         <p:spPr>
           <a:xfrm>
-            <a:off x="1190780" y="270267"/>
-            <a:ext cx="6414449" cy="586737"/>
+            <a:off x="1190779" y="270267"/>
+            <a:ext cx="6848234" cy="586737"/>
           </a:xfrm>
           <a:prstGeom prst="rect">
             <a:avLst/>
@@ -3886,13 +3910,18 @@
           </a:bodyPr>
           <a:lstStyle>
             <a:lvl1pPr>
-              <a:defRPr sz="3200"/>
+              <a:defRPr sz="3200">
+                <a:latin typeface="+mj-lt"/>
+                <a:ea typeface="+mj-ea"/>
+                <a:cs typeface="+mj-cs"/>
+                <a:sym typeface="Calibri"/>
+              </a:defRPr>
             </a:lvl1pPr>
           </a:lstStyle>
           <a:p>
             <a:pPr/>
             <a:r>
-              <a:t>Validation of results with umap - yeast</a:t>
+              <a:t>Visualisation of results with umap - yeast</a:t>
             </a:r>
           </a:p>
         </p:txBody>
@@ -3916,8 +3945,8 @@
         </p:blipFill>
         <p:spPr>
           <a:xfrm>
-            <a:off x="202229" y="2987938"/>
-            <a:ext cx="3133124" cy="2302450"/>
+            <a:off x="202229" y="2987937"/>
+            <a:ext cx="3133125" cy="2302451"/>
           </a:xfrm>
           <a:prstGeom prst="rect">
             <a:avLst/>
@@ -3947,7 +3976,7 @@
         <p:spPr>
           <a:xfrm>
             <a:off x="3344426" y="1618688"/>
-            <a:ext cx="5681895" cy="4264737"/>
+            <a:ext cx="5681896" cy="4264737"/>
           </a:xfrm>
           <a:prstGeom prst="rect">
             <a:avLst/>
@@ -3984,7 +4013,16 @@
           <a:bodyPr wrap="none" lIns="45718" tIns="45718" rIns="45718" bIns="45718">
             <a:spAutoFit/>
           </a:bodyPr>
-          <a:lstStyle/>
+          <a:lstStyle>
+            <a:lvl1pPr>
+              <a:defRPr>
+                <a:latin typeface="+mj-lt"/>
+                <a:ea typeface="+mj-ea"/>
+                <a:cs typeface="+mj-cs"/>
+                <a:sym typeface="Calibri"/>
+              </a:defRPr>
+            </a:lvl1pPr>
+          </a:lstStyle>
           <a:p>
             <a:pPr/>
             <a:r>
@@ -4037,7 +4075,7 @@
         </p:nvSpPr>
         <p:spPr>
           <a:xfrm>
-            <a:off x="251823" y="5274916"/>
+            <a:off x="251822" y="5274916"/>
             <a:ext cx="2606459" cy="370837"/>
           </a:xfrm>
           <a:prstGeom prst="rect">
@@ -4056,7 +4094,16 @@
           <a:bodyPr wrap="none" lIns="45718" tIns="45718" rIns="45718" bIns="45718">
             <a:spAutoFit/>
           </a:bodyPr>
-          <a:lstStyle/>
+          <a:lstStyle>
+            <a:lvl1pPr>
+              <a:defRPr>
+                <a:latin typeface="+mj-lt"/>
+                <a:ea typeface="+mj-ea"/>
+                <a:cs typeface="+mj-cs"/>
+                <a:sym typeface="Calibri"/>
+              </a:defRPr>
+            </a:lvl1pPr>
+          </a:lstStyle>
           <a:p>
             <a:pPr/>
             <a:r>
@@ -4099,7 +4146,7 @@
         </p:nvSpPr>
         <p:spPr>
           <a:xfrm>
-            <a:off x="381993" y="3420722"/>
+            <a:off x="381993" y="3420721"/>
             <a:ext cx="8093003" cy="828037"/>
           </a:xfrm>
           <a:prstGeom prst="rect">
@@ -4123,7 +4170,12 @@
               <a:buSzPct val="100000"/>
               <a:buFont typeface="Arial"/>
               <a:buChar char="•"/>
-              <a:defRPr sz="2400"/>
+              <a:defRPr sz="2400">
+                <a:latin typeface="+mj-lt"/>
+                <a:ea typeface="+mj-ea"/>
+                <a:cs typeface="+mj-cs"/>
+                <a:sym typeface="Calibri"/>
+              </a:defRPr>
             </a:lvl1pPr>
           </a:lstStyle>
           <a:p>
@@ -4166,7 +4218,12 @@
               <a:buSzPct val="100000"/>
               <a:buFont typeface="Arial"/>
               <a:buChar char="•"/>
-              <a:defRPr sz="2400"/>
+              <a:defRPr sz="2400">
+                <a:latin typeface="+mj-lt"/>
+                <a:ea typeface="+mj-ea"/>
+                <a:cs typeface="+mj-cs"/>
+                <a:sym typeface="Calibri"/>
+              </a:defRPr>
             </a:lvl1pPr>
           </a:lstStyle>
           <a:p>
@@ -4209,7 +4266,12 @@
               <a:buSzPct val="100000"/>
               <a:buFont typeface="Arial"/>
               <a:buChar char="•"/>
-              <a:defRPr sz="2400"/>
+              <a:defRPr sz="2400">
+                <a:latin typeface="+mj-lt"/>
+                <a:ea typeface="+mj-ea"/>
+                <a:cs typeface="+mj-cs"/>
+                <a:sym typeface="Calibri"/>
+              </a:defRPr>
             </a:lvl1pPr>
           </a:lstStyle>
           <a:p>
@@ -4252,7 +4314,12 @@
               <a:buSzPct val="100000"/>
               <a:buFont typeface="Arial"/>
               <a:buChar char="•"/>
-              <a:defRPr sz="2400"/>
+              <a:defRPr sz="2400">
+                <a:latin typeface="+mj-lt"/>
+                <a:ea typeface="+mj-ea"/>
+                <a:cs typeface="+mj-cs"/>
+                <a:sym typeface="Calibri"/>
+              </a:defRPr>
             </a:lvl1pPr>
           </a:lstStyle>
           <a:p>
@@ -4271,8 +4338,8 @@
         </p:nvSpPr>
         <p:spPr>
           <a:xfrm>
-            <a:off x="2726215" y="218703"/>
-            <a:ext cx="3431537" cy="586737"/>
+            <a:off x="2726214" y="218702"/>
+            <a:ext cx="3431537" cy="586738"/>
           </a:xfrm>
           <a:prstGeom prst="rect">
             <a:avLst/>
@@ -4292,7 +4359,12 @@
           </a:bodyPr>
           <a:lstStyle>
             <a:lvl1pPr>
-              <a:defRPr sz="3200"/>
+              <a:defRPr sz="3200">
+                <a:latin typeface="+mj-lt"/>
+                <a:ea typeface="+mj-ea"/>
+                <a:cs typeface="+mj-cs"/>
+                <a:sym typeface="Calibri"/>
+              </a:defRPr>
             </a:lvl1pPr>
           </a:lstStyle>
           <a:p>
@@ -4337,8 +4409,8 @@
         </p:nvSpPr>
         <p:spPr>
           <a:xfrm>
-            <a:off x="1640274" y="465661"/>
-            <a:ext cx="6274168" cy="586737"/>
+            <a:off x="1640273" y="465661"/>
+            <a:ext cx="6274170" cy="586737"/>
           </a:xfrm>
           <a:prstGeom prst="rect">
             <a:avLst/>
@@ -4358,7 +4430,12 @@
           </a:bodyPr>
           <a:lstStyle>
             <a:lvl1pPr>
-              <a:defRPr sz="3200"/>
+              <a:defRPr sz="3200">
+                <a:latin typeface="+mj-lt"/>
+                <a:ea typeface="+mj-ea"/>
+                <a:cs typeface="+mj-cs"/>
+                <a:sym typeface="Calibri"/>
+              </a:defRPr>
             </a:lvl1pPr>
           </a:lstStyle>
           <a:p>
@@ -4401,7 +4478,12 @@
               <a:buSzPct val="100000"/>
               <a:buFont typeface="Arial"/>
               <a:buChar char="•"/>
-              <a:defRPr sz="2400"/>
+              <a:defRPr sz="2400">
+                <a:latin typeface="+mj-lt"/>
+                <a:ea typeface="+mj-ea"/>
+                <a:cs typeface="+mj-cs"/>
+                <a:sym typeface="Calibri"/>
+              </a:defRPr>
             </a:lvl1pPr>
           </a:lstStyle>
           <a:p>
@@ -4420,7 +4502,7 @@
         </p:nvGraphicFramePr>
         <p:xfrm>
           <a:off x="890490" y="4551169"/>
-          <a:ext cx="7521224" cy="1854204"/>
+          <a:ext cx="7521224" cy="1854205"/>
         </p:xfrm>
         <a:graphic xmlns:a="http://schemas.openxmlformats.org/drawingml/2006/main">
           <a:graphicData uri="http://schemas.openxmlformats.org/drawingml/2006/table">
@@ -4763,7 +4845,12 @@
               <a:buSzPct val="100000"/>
               <a:buFont typeface="Arial"/>
               <a:buChar char="•"/>
-              <a:defRPr sz="2400"/>
+              <a:defRPr sz="2400">
+                <a:latin typeface="+mj-lt"/>
+                <a:ea typeface="+mj-ea"/>
+                <a:cs typeface="+mj-cs"/>
+                <a:sym typeface="Calibri"/>
+              </a:defRPr>
             </a:lvl1pPr>
           </a:lstStyle>
           <a:p>
@@ -4782,10 +4869,10 @@
         </p:nvGrpSpPr>
         <p:grpSpPr>
           <a:xfrm>
-            <a:off x="610161" y="2266885"/>
-            <a:ext cx="8671567" cy="459737"/>
-            <a:chOff x="-1" y="0"/>
-            <a:chExt cx="8671566" cy="459735"/>
+            <a:off x="610160" y="2266884"/>
+            <a:ext cx="8671568" cy="459737"/>
+            <a:chOff x="0" y="0"/>
+            <a:chExt cx="8671567" cy="459735"/>
           </a:xfrm>
         </p:grpSpPr>
         <p:sp>
@@ -4796,8 +4883,8 @@
           </p:nvSpPr>
           <p:spPr>
             <a:xfrm>
-              <a:off x="-2" y="-1"/>
-              <a:ext cx="8671567" cy="459737"/>
+              <a:off x="-1" y="-1"/>
+              <a:ext cx="8671568" cy="459737"/>
             </a:xfrm>
             <a:prstGeom prst="rect">
               <a:avLst/>
@@ -4823,7 +4910,12 @@
                 <a:buSzPct val="100000"/>
                 <a:buFont typeface="Arial"/>
                 <a:buChar char="•"/>
-                <a:defRPr sz="2400"/>
+                <a:defRPr sz="2400">
+                  <a:latin typeface="+mj-lt"/>
+                  <a:ea typeface="+mj-ea"/>
+                  <a:cs typeface="+mj-cs"/>
+                  <a:sym typeface="Calibri"/>
+                </a:defRPr>
               </a:lvl1pPr>
             </a:lstStyle>
             <a:p>
@@ -4842,8 +4934,8 @@
           </p:nvSpPr>
           <p:spPr>
             <a:xfrm>
-              <a:off x="5739837" y="193553"/>
-              <a:ext cx="225781" cy="169338"/>
+              <a:off x="5739838" y="193553"/>
+              <a:ext cx="225782" cy="169340"/>
             </a:xfrm>
             <a:prstGeom prst="rightArrow">
               <a:avLst>
@@ -4880,6 +4972,10 @@
                   <a:solidFill>
                     <a:srgbClr val="FFFFFF"/>
                   </a:solidFill>
+                  <a:latin typeface="+mj-lt"/>
+                  <a:ea typeface="+mj-ea"/>
+                  <a:cs typeface="+mj-cs"/>
+                  <a:sym typeface="Calibri"/>
                 </a:defRPr>
               </a:pPr>
             </a:p>
@@ -5054,9 +5150,9 @@
       </p:par>
     </p:tnLst>
     <p:bldLst>
+      <p:bldP build="whole" bldLvl="1" animBg="1" rev="0" advAuto="0" spid="100" grpId="3"/>
       <p:bldP build="whole" bldLvl="1" animBg="1" rev="0" advAuto="0" spid="101" grpId="2"/>
       <p:bldP build="whole" bldLvl="1" animBg="1" rev="0" advAuto="0" spid="104" grpId="1"/>
-      <p:bldP build="whole" bldLvl="1" animBg="1" rev="0" advAuto="0" spid="100" grpId="3"/>
     </p:bldLst>
   </p:timing>
 </p:sld>
@@ -5108,7 +5204,12 @@
           </a:bodyPr>
           <a:lstStyle>
             <a:lvl1pPr>
-              <a:defRPr sz="3200"/>
+              <a:defRPr sz="3200">
+                <a:latin typeface="+mj-lt"/>
+                <a:ea typeface="+mj-ea"/>
+                <a:cs typeface="+mj-cs"/>
+                <a:sym typeface="Calibri"/>
+              </a:defRPr>
             </a:lvl1pPr>
           </a:lstStyle>
           <a:p>
@@ -5151,7 +5252,12 @@
               <a:buSzPct val="100000"/>
               <a:buFont typeface="Arial"/>
               <a:buChar char="•"/>
-              <a:defRPr sz="2400"/>
+              <a:defRPr sz="2400">
+                <a:latin typeface="+mj-lt"/>
+                <a:ea typeface="+mj-ea"/>
+                <a:cs typeface="+mj-cs"/>
+                <a:sym typeface="Calibri"/>
+              </a:defRPr>
             </a:lvl1pPr>
           </a:lstStyle>
           <a:p>
@@ -5171,7 +5277,7 @@
         <p:spPr>
           <a:xfrm>
             <a:off x="2090894" y="1636153"/>
-            <a:ext cx="4393959" cy="469262"/>
+            <a:ext cx="4393958" cy="469262"/>
           </a:xfrm>
           <a:prstGeom prst="rect">
             <a:avLst/>
@@ -5222,7 +5328,12 @@
           </a:bodyPr>
           <a:lstStyle>
             <a:lvl1pPr>
-              <a:defRPr sz="2400"/>
+              <a:defRPr sz="2400">
+                <a:latin typeface="+mj-lt"/>
+                <a:ea typeface="+mj-ea"/>
+                <a:cs typeface="+mj-cs"/>
+                <a:sym typeface="Calibri"/>
+              </a:defRPr>
             </a:lvl1pPr>
           </a:lstStyle>
           <a:p>
@@ -5241,7 +5352,7 @@
         </p:nvSpPr>
         <p:spPr>
           <a:xfrm>
-            <a:off x="1436637" y="3357247"/>
+            <a:off x="1436636" y="3357247"/>
             <a:ext cx="5753504" cy="469262"/>
           </a:xfrm>
           <a:prstGeom prst="rect">
@@ -5293,7 +5404,12 @@
           </a:bodyPr>
           <a:lstStyle>
             <a:lvl1pPr>
-              <a:defRPr sz="2400"/>
+              <a:defRPr sz="2400">
+                <a:latin typeface="+mj-lt"/>
+                <a:ea typeface="+mj-ea"/>
+                <a:cs typeface="+mj-cs"/>
+                <a:sym typeface="Calibri"/>
+              </a:defRPr>
             </a:lvl1pPr>
           </a:lstStyle>
           <a:p>
@@ -5312,7 +5428,7 @@
         </p:nvSpPr>
         <p:spPr>
           <a:xfrm>
-            <a:off x="1518419" y="2480585"/>
+            <a:off x="1518418" y="2480585"/>
             <a:ext cx="5589942" cy="469262"/>
           </a:xfrm>
           <a:prstGeom prst="rect">
@@ -5364,7 +5480,12 @@
           </a:bodyPr>
           <a:lstStyle>
             <a:lvl1pPr>
-              <a:defRPr sz="2400"/>
+              <a:defRPr sz="2400">
+                <a:latin typeface="+mj-lt"/>
+                <a:ea typeface="+mj-ea"/>
+                <a:cs typeface="+mj-cs"/>
+                <a:sym typeface="Calibri"/>
+              </a:defRPr>
             </a:lvl1pPr>
           </a:lstStyle>
           <a:p>
@@ -5384,7 +5505,7 @@
         <p:spPr>
           <a:xfrm>
             <a:off x="3982570" y="3046689"/>
-            <a:ext cx="381004" cy="243489"/>
+            <a:ext cx="381005" cy="243490"/>
           </a:xfrm>
           <a:custGeom>
             <a:avLst/>
@@ -5465,6 +5586,10 @@
                 <a:solidFill>
                   <a:srgbClr val="FFFFFF"/>
                 </a:solidFill>
+                <a:latin typeface="+mj-lt"/>
+                <a:ea typeface="+mj-ea"/>
+                <a:cs typeface="+mj-cs"/>
+                <a:sym typeface="Calibri"/>
               </a:defRPr>
             </a:pPr>
           </a:p>
@@ -5531,7 +5656,12 @@
           <a:lstStyle/>
           <a:p>
             <a:pPr>
-              <a:defRPr sz="2400"/>
+              <a:defRPr sz="2400">
+                <a:latin typeface="+mj-lt"/>
+                <a:ea typeface="+mj-ea"/>
+                <a:cs typeface="+mj-cs"/>
+                <a:sym typeface="Calibri"/>
+              </a:defRPr>
             </a:pPr>
             <a:r>
               <a:t>Extract embedding vectors of trained data and K-NN search</a:t>
@@ -5539,7 +5669,12 @@
           </a:p>
           <a:p>
             <a:pPr>
-              <a:defRPr sz="2400"/>
+              <a:defRPr sz="2400">
+                <a:latin typeface="+mj-lt"/>
+                <a:ea typeface="+mj-ea"/>
+                <a:cs typeface="+mj-cs"/>
+                <a:sym typeface="Calibri"/>
+              </a:defRPr>
             </a:pPr>
             <a:r>
               <a:t>to identify unknown peptides from different species.</a:t>
@@ -5555,7 +5690,7 @@
         </p:nvSpPr>
         <p:spPr>
           <a:xfrm>
-            <a:off x="920610" y="5403077"/>
+            <a:off x="920609" y="5403077"/>
             <a:ext cx="7569803" cy="469262"/>
           </a:xfrm>
           <a:prstGeom prst="rect">
@@ -5607,7 +5742,12 @@
           </a:bodyPr>
           <a:lstStyle>
             <a:lvl1pPr>
-              <a:defRPr sz="2400"/>
+              <a:defRPr sz="2400">
+                <a:latin typeface="+mj-lt"/>
+                <a:ea typeface="+mj-ea"/>
+                <a:cs typeface="+mj-cs"/>
+                <a:sym typeface="Calibri"/>
+              </a:defRPr>
             </a:lvl1pPr>
           </a:lstStyle>
           <a:p>
@@ -5626,7 +5766,7 @@
         </p:nvSpPr>
         <p:spPr>
           <a:xfrm>
-            <a:off x="1901874" y="6228005"/>
+            <a:off x="1901873" y="6228005"/>
             <a:ext cx="4823031" cy="469262"/>
           </a:xfrm>
           <a:prstGeom prst="rect">
@@ -5678,7 +5818,12 @@
           </a:bodyPr>
           <a:lstStyle>
             <a:lvl1pPr>
-              <a:defRPr sz="2400"/>
+              <a:defRPr sz="2400">
+                <a:latin typeface="+mj-lt"/>
+                <a:ea typeface="+mj-ea"/>
+                <a:cs typeface="+mj-cs"/>
+                <a:sym typeface="Calibri"/>
+              </a:defRPr>
             </a:lvl1pPr>
           </a:lstStyle>
           <a:p>
@@ -5698,7 +5843,7 @@
         <p:spPr>
           <a:xfrm>
             <a:off x="3982570" y="2175228"/>
-            <a:ext cx="381004" cy="243488"/>
+            <a:ext cx="381005" cy="243489"/>
           </a:xfrm>
           <a:custGeom>
             <a:avLst/>
@@ -5779,6 +5924,10 @@
                 <a:solidFill>
                   <a:srgbClr val="FFFFFF"/>
                 </a:solidFill>
+                <a:latin typeface="+mj-lt"/>
+                <a:ea typeface="+mj-ea"/>
+                <a:cs typeface="+mj-cs"/>
+                <a:sym typeface="Calibri"/>
               </a:defRPr>
             </a:pPr>
           </a:p>
@@ -5793,7 +5942,7 @@
         <p:spPr>
           <a:xfrm>
             <a:off x="3982570" y="3900154"/>
-            <a:ext cx="381004" cy="243488"/>
+            <a:ext cx="381005" cy="243489"/>
           </a:xfrm>
           <a:custGeom>
             <a:avLst/>
@@ -5874,6 +6023,10 @@
                 <a:solidFill>
                   <a:srgbClr val="FFFFFF"/>
                 </a:solidFill>
+                <a:latin typeface="+mj-lt"/>
+                <a:ea typeface="+mj-ea"/>
+                <a:cs typeface="+mj-cs"/>
+                <a:sym typeface="Calibri"/>
               </a:defRPr>
             </a:pPr>
           </a:p>
@@ -5888,7 +6041,7 @@
         <p:spPr>
           <a:xfrm>
             <a:off x="3982570" y="5097719"/>
-            <a:ext cx="381004" cy="243488"/>
+            <a:ext cx="381005" cy="243489"/>
           </a:xfrm>
           <a:custGeom>
             <a:avLst/>
@@ -5969,6 +6122,10 @@
                 <a:solidFill>
                   <a:srgbClr val="FFFFFF"/>
                 </a:solidFill>
+                <a:latin typeface="+mj-lt"/>
+                <a:ea typeface="+mj-ea"/>
+                <a:cs typeface="+mj-cs"/>
+                <a:sym typeface="Calibri"/>
               </a:defRPr>
             </a:pPr>
           </a:p>
@@ -5983,7 +6140,7 @@
         <p:spPr>
           <a:xfrm>
             <a:off x="3982570" y="5939004"/>
-            <a:ext cx="381004" cy="243488"/>
+            <a:ext cx="381005" cy="243489"/>
           </a:xfrm>
           <a:custGeom>
             <a:avLst/>
@@ -6064,6 +6221,10 @@
                 <a:solidFill>
                   <a:srgbClr val="FFFFFF"/>
                 </a:solidFill>
+                <a:latin typeface="+mj-lt"/>
+                <a:ea typeface="+mj-ea"/>
+                <a:cs typeface="+mj-cs"/>
+                <a:sym typeface="Calibri"/>
               </a:defRPr>
             </a:pPr>
           </a:p>
@@ -6103,7 +6264,7 @@
         </p:nvSpPr>
         <p:spPr>
           <a:xfrm>
-            <a:off x="440831" y="1329055"/>
+            <a:off x="440830" y="1329055"/>
             <a:ext cx="8754326" cy="459737"/>
           </a:xfrm>
           <a:prstGeom prst="rect">
@@ -6137,6 +6298,10 @@
                     <a:srgbClr val="0000FF"/>
                   </a:solidFill>
                 </a:uFill>
+                <a:latin typeface="+mj-lt"/>
+                <a:ea typeface="+mj-ea"/>
+                <a:cs typeface="+mj-cs"/>
+                <a:sym typeface="Calibri"/>
               </a:defRPr>
             </a:pPr>
             <a:r>
@@ -6198,7 +6363,12 @@
           </a:bodyPr>
           <a:lstStyle>
             <a:lvl1pPr>
-              <a:defRPr sz="3200"/>
+              <a:defRPr sz="3200">
+                <a:latin typeface="+mj-lt"/>
+                <a:ea typeface="+mj-ea"/>
+                <a:cs typeface="+mj-cs"/>
+                <a:sym typeface="Calibri"/>
+              </a:defRPr>
             </a:lvl1pPr>
           </a:lstStyle>
           <a:p>
@@ -6217,7 +6387,7 @@
         </p:nvGrpSpPr>
         <p:grpSpPr>
           <a:xfrm>
-            <a:off x="440831" y="2048552"/>
+            <a:off x="440831" y="2048551"/>
             <a:ext cx="7831984" cy="927637"/>
             <a:chOff x="0" y="0"/>
             <a:chExt cx="7831983" cy="927636"/>
@@ -6258,7 +6428,12 @@
                 <a:buSzPct val="100000"/>
                 <a:buFont typeface="Arial"/>
                 <a:buChar char="•"/>
-                <a:defRPr sz="2400"/>
+                <a:defRPr sz="2400">
+                  <a:latin typeface="+mj-lt"/>
+                  <a:ea typeface="+mj-ea"/>
+                  <a:cs typeface="+mj-cs"/>
+                  <a:sym typeface="Calibri"/>
+                </a:defRPr>
               </a:lvl1pPr>
             </a:lstStyle>
             <a:p>
@@ -6307,7 +6482,12 @@
             <a:lstStyle/>
             <a:p>
               <a:pPr>
-                <a:defRPr i="1" sz="2400"/>
+                <a:defRPr i="1" sz="2400">
+                  <a:latin typeface="+mj-lt"/>
+                  <a:ea typeface="+mj-ea"/>
+                  <a:cs typeface="+mj-cs"/>
+                  <a:sym typeface="Calibri"/>
+                </a:defRPr>
               </a:pPr>
               <a:r>
                 <a:t>Train </a:t>
@@ -6360,7 +6540,12 @@
             <a:lstStyle/>
             <a:p>
               <a:pPr>
-                <a:defRPr i="1" sz="2400"/>
+                <a:defRPr i="1" sz="2400">
+                  <a:latin typeface="+mj-lt"/>
+                  <a:ea typeface="+mj-ea"/>
+                  <a:cs typeface="+mj-cs"/>
+                  <a:sym typeface="Calibri"/>
+                </a:defRPr>
               </a:pPr>
               <a:r>
                 <a:t>Validation </a:t>
@@ -6413,7 +6598,12 @@
             <a:lstStyle/>
             <a:p>
               <a:pPr>
-                <a:defRPr i="1" sz="2400"/>
+                <a:defRPr i="1" sz="2400">
+                  <a:latin typeface="+mj-lt"/>
+                  <a:ea typeface="+mj-ea"/>
+                  <a:cs typeface="+mj-cs"/>
+                  <a:sym typeface="Calibri"/>
+                </a:defRPr>
               </a:pPr>
               <a:r>
                 <a:t>Test </a:t>
@@ -6434,10 +6624,10 @@
         </p:nvGrpSpPr>
         <p:grpSpPr>
           <a:xfrm>
-            <a:off x="1143560" y="4088206"/>
-            <a:ext cx="6920952" cy="1999841"/>
-            <a:chOff x="-2" y="-4"/>
-            <a:chExt cx="6920951" cy="1999839"/>
+            <a:off x="1143557" y="4088202"/>
+            <a:ext cx="6920953" cy="1999846"/>
+            <a:chOff x="-2" y="-2"/>
+            <a:chExt cx="6920952" cy="1999844"/>
           </a:xfrm>
         </p:grpSpPr>
         <p:sp>
@@ -6448,7 +6638,7 @@
           </p:nvSpPr>
           <p:spPr>
             <a:xfrm>
-              <a:off x="2191469" y="619661"/>
+              <a:off x="2191471" y="619665"/>
               <a:ext cx="1228831" cy="837562"/>
             </a:xfrm>
             <a:prstGeom prst="rect">
@@ -6482,6 +6672,10 @@
                   <a:solidFill>
                     <a:srgbClr val="FFFFFF"/>
                   </a:solidFill>
+                  <a:latin typeface="+mj-lt"/>
+                  <a:ea typeface="+mj-ea"/>
+                  <a:cs typeface="+mj-cs"/>
+                  <a:sym typeface="Calibri"/>
                 </a:defRPr>
               </a:pPr>
               <a:r>
@@ -6494,6 +6688,10 @@
                   <a:solidFill>
                     <a:srgbClr val="FFFFFF"/>
                   </a:solidFill>
+                  <a:latin typeface="+mj-lt"/>
+                  <a:ea typeface="+mj-ea"/>
+                  <a:cs typeface="+mj-cs"/>
+                  <a:sym typeface="Calibri"/>
                 </a:defRPr>
               </a:pPr>
               <a:r>
@@ -6510,8 +6708,8 @@
           </p:nvSpPr>
           <p:spPr>
             <a:xfrm>
-              <a:off x="3689974" y="962679"/>
-              <a:ext cx="388889" cy="240626"/>
+              <a:off x="3689976" y="962683"/>
+              <a:ext cx="388890" cy="240628"/>
             </a:xfrm>
             <a:custGeom>
               <a:avLst/>
@@ -6587,7 +6785,14 @@
             </a:bodyPr>
             <a:lstStyle/>
             <a:p>
-              <a:pPr algn="ctr"/>
+              <a:pPr algn="ctr">
+                <a:defRPr>
+                  <a:latin typeface="+mj-lt"/>
+                  <a:ea typeface="+mj-ea"/>
+                  <a:cs typeface="+mj-cs"/>
+                  <a:sym typeface="Calibri"/>
+                </a:defRPr>
+              </a:pPr>
             </a:p>
           </p:txBody>
         </p:sp>
@@ -6599,10 +6804,10 @@
           </p:nvGrpSpPr>
           <p:grpSpPr>
             <a:xfrm>
-              <a:off x="4021287" y="67694"/>
-              <a:ext cx="2899662" cy="1932142"/>
-              <a:chOff x="0" y="-1"/>
-              <a:chExt cx="2899661" cy="1932140"/>
+              <a:off x="4021288" y="67696"/>
+              <a:ext cx="2899662" cy="1932146"/>
+              <a:chOff x="-1" y="-1"/>
+              <a:chExt cx="2899661" cy="1932144"/>
             </a:xfrm>
           </p:grpSpPr>
           <p:sp>
@@ -6613,7 +6818,109 @@
             </p:nvSpPr>
             <p:spPr>
               <a:xfrm>
-                <a:off x="-1" y="-2"/>
+                <a:off x="-2" y="-2"/>
+                <a:ext cx="1065964" cy="342262"/>
+              </a:xfrm>
+              <a:prstGeom prst="rect">
+                <a:avLst/>
+              </a:prstGeom>
+              <a:noFill/>
+              <a:ln w="9525" cap="flat">
+                <a:solidFill>
+                  <a:srgbClr val="000000"/>
+                </a:solidFill>
+                <a:prstDash val="solid"/>
+                <a:round/>
+              </a:ln>
+              <a:effectLst/>
+              <a:extLst>
+                <a:ext uri="{C572A759-6A51-4108-AA02-DFA0A04FC94B}">
+                  <ma14:wrappingTextBoxFlag xmlns:ma14="http://schemas.microsoft.com/office/mac/drawingml/2011/main" val="1"/>
+                </a:ext>
+              </a:extLst>
+            </p:spPr>
+            <p:txBody>
+              <a:bodyPr wrap="none" lIns="45718" tIns="45718" rIns="45718" bIns="45718" numCol="1" anchor="t">
+                <a:spAutoFit/>
+              </a:bodyPr>
+              <a:lstStyle>
+                <a:lvl1pPr>
+                  <a:defRPr sz="1600">
+                    <a:latin typeface="+mj-lt"/>
+                    <a:ea typeface="+mj-ea"/>
+                    <a:cs typeface="+mj-cs"/>
+                    <a:sym typeface="Calibri"/>
+                  </a:defRPr>
+                </a:lvl1pPr>
+              </a:lstStyle>
+              <a:p>
+                <a:pPr/>
+                <a:r>
+                  <a:t>QLVHDSGR </a:t>
+                </a:r>
+              </a:p>
+            </p:txBody>
+          </p:sp>
+          <p:sp>
+            <p:nvSpPr>
+              <p:cNvPr id="130" name="TextBox 15"/>
+              <p:cNvSpPr txBox="1"/>
+              <p:nvPr/>
+            </p:nvSpPr>
+            <p:spPr>
+              <a:xfrm>
+                <a:off x="136646" y="397555"/>
+                <a:ext cx="1071519" cy="342262"/>
+              </a:xfrm>
+              <a:prstGeom prst="rect">
+                <a:avLst/>
+              </a:prstGeom>
+              <a:noFill/>
+              <a:ln w="9525" cap="flat">
+                <a:solidFill>
+                  <a:srgbClr val="000000"/>
+                </a:solidFill>
+                <a:prstDash val="solid"/>
+                <a:round/>
+              </a:ln>
+              <a:effectLst/>
+              <a:extLst>
+                <a:ext uri="{C572A759-6A51-4108-AA02-DFA0A04FC94B}">
+                  <ma14:wrappingTextBoxFlag xmlns:ma14="http://schemas.microsoft.com/office/mac/drawingml/2011/main" val="1"/>
+                </a:ext>
+              </a:extLst>
+            </p:spPr>
+            <p:txBody>
+              <a:bodyPr wrap="none" lIns="45718" tIns="45718" rIns="45718" bIns="45718" numCol="1" anchor="t">
+                <a:spAutoFit/>
+              </a:bodyPr>
+              <a:lstStyle>
+                <a:lvl1pPr>
+                  <a:defRPr sz="1600">
+                    <a:latin typeface="+mj-lt"/>
+                    <a:ea typeface="+mj-ea"/>
+                    <a:cs typeface="+mj-cs"/>
+                    <a:sym typeface="Calibri"/>
+                  </a:defRPr>
+                </a:lvl1pPr>
+              </a:lstStyle>
+              <a:p>
+                <a:pPr/>
+                <a:r>
+                  <a:t>QLVHDQAT </a:t>
+                </a:r>
+              </a:p>
+            </p:txBody>
+          </p:sp>
+          <p:sp>
+            <p:nvSpPr>
+              <p:cNvPr id="131" name="TextBox 16"/>
+              <p:cNvSpPr txBox="1"/>
+              <p:nvPr/>
+            </p:nvSpPr>
+            <p:spPr>
+              <a:xfrm>
+                <a:off x="355800" y="800505"/>
                 <a:ext cx="1065963" cy="342262"/>
               </a:xfrm>
               <a:prstGeom prst="rect">
@@ -6640,7 +6947,12 @@
               </a:bodyPr>
               <a:lstStyle>
                 <a:lvl1pPr>
-                  <a:defRPr sz="1600"/>
+                  <a:defRPr sz="1600">
+                    <a:latin typeface="+mj-lt"/>
+                    <a:ea typeface="+mj-ea"/>
+                    <a:cs typeface="+mj-cs"/>
+                    <a:sym typeface="Calibri"/>
+                  </a:defRPr>
                 </a:lvl1pPr>
               </a:lstStyle>
               <a:p>
@@ -6653,14 +6965,14 @@
           </p:sp>
           <p:sp>
             <p:nvSpPr>
-              <p:cNvPr id="130" name="TextBox 15"/>
+              <p:cNvPr id="132" name="TextBox 17"/>
               <p:cNvSpPr txBox="1"/>
               <p:nvPr/>
             </p:nvSpPr>
             <p:spPr>
               <a:xfrm>
-                <a:off x="136646" y="397554"/>
-                <a:ext cx="1071520" cy="342262"/>
+                <a:off x="1213476" y="-2"/>
+                <a:ext cx="1065964" cy="342262"/>
               </a:xfrm>
               <a:prstGeom prst="rect">
                 <a:avLst/>
@@ -6686,99 +6998,12 @@
               </a:bodyPr>
               <a:lstStyle>
                 <a:lvl1pPr>
-                  <a:defRPr sz="1600"/>
-                </a:lvl1pPr>
-              </a:lstStyle>
-              <a:p>
-                <a:pPr/>
-                <a:r>
-                  <a:t>QLVHDQAT </a:t>
-                </a:r>
-              </a:p>
-            </p:txBody>
-          </p:sp>
-          <p:sp>
-            <p:nvSpPr>
-              <p:cNvPr id="131" name="TextBox 16"/>
-              <p:cNvSpPr txBox="1"/>
-              <p:nvPr/>
-            </p:nvSpPr>
-            <p:spPr>
-              <a:xfrm>
-                <a:off x="355800" y="800503"/>
-                <a:ext cx="1065963" cy="342262"/>
-              </a:xfrm>
-              <a:prstGeom prst="rect">
-                <a:avLst/>
-              </a:prstGeom>
-              <a:noFill/>
-              <a:ln w="9525" cap="flat">
-                <a:solidFill>
-                  <a:srgbClr val="000000"/>
-                </a:solidFill>
-                <a:prstDash val="solid"/>
-                <a:round/>
-              </a:ln>
-              <a:effectLst/>
-              <a:extLst>
-                <a:ext uri="{C572A759-6A51-4108-AA02-DFA0A04FC94B}">
-                  <ma14:wrappingTextBoxFlag xmlns:ma14="http://schemas.microsoft.com/office/mac/drawingml/2011/main" val="1"/>
-                </a:ext>
-              </a:extLst>
-            </p:spPr>
-            <p:txBody>
-              <a:bodyPr wrap="none" lIns="45718" tIns="45718" rIns="45718" bIns="45718" numCol="1" anchor="t">
-                <a:spAutoFit/>
-              </a:bodyPr>
-              <a:lstStyle>
-                <a:lvl1pPr>
-                  <a:defRPr sz="1600"/>
-                </a:lvl1pPr>
-              </a:lstStyle>
-              <a:p>
-                <a:pPr/>
-                <a:r>
-                  <a:t>QLVHDSGR </a:t>
-                </a:r>
-              </a:p>
-            </p:txBody>
-          </p:sp>
-          <p:sp>
-            <p:nvSpPr>
-              <p:cNvPr id="132" name="TextBox 17"/>
-              <p:cNvSpPr txBox="1"/>
-              <p:nvPr/>
-            </p:nvSpPr>
-            <p:spPr>
-              <a:xfrm>
-                <a:off x="1213476" y="-2"/>
-                <a:ext cx="1065963" cy="342262"/>
-              </a:xfrm>
-              <a:prstGeom prst="rect">
-                <a:avLst/>
-              </a:prstGeom>
-              <a:noFill/>
-              <a:ln w="9525" cap="flat">
-                <a:solidFill>
-                  <a:srgbClr val="000000"/>
-                </a:solidFill>
-                <a:prstDash val="solid"/>
-                <a:round/>
-              </a:ln>
-              <a:effectLst/>
-              <a:extLst>
-                <a:ext uri="{C572A759-6A51-4108-AA02-DFA0A04FC94B}">
-                  <ma14:wrappingTextBoxFlag xmlns:ma14="http://schemas.microsoft.com/office/mac/drawingml/2011/main" val="1"/>
-                </a:ext>
-              </a:extLst>
-            </p:spPr>
-            <p:txBody>
-              <a:bodyPr wrap="none" lIns="45718" tIns="45718" rIns="45718" bIns="45718" numCol="1" anchor="t">
-                <a:spAutoFit/>
-              </a:bodyPr>
-              <a:lstStyle>
-                <a:lvl1pPr>
-                  <a:defRPr sz="1600"/>
+                  <a:defRPr sz="1600">
+                    <a:latin typeface="+mj-lt"/>
+                    <a:ea typeface="+mj-ea"/>
+                    <a:cs typeface="+mj-cs"/>
+                    <a:sym typeface="Calibri"/>
+                  </a:defRPr>
                 </a:lvl1pPr>
               </a:lstStyle>
               <a:p>
@@ -6797,7 +7022,7 @@
             </p:nvSpPr>
             <p:spPr>
               <a:xfrm>
-                <a:off x="490756" y="1195615"/>
+                <a:off x="490756" y="1195618"/>
                 <a:ext cx="1070329" cy="342262"/>
               </a:xfrm>
               <a:prstGeom prst="rect">
@@ -6824,7 +7049,12 @@
               </a:bodyPr>
               <a:lstStyle>
                 <a:lvl1pPr>
-                  <a:defRPr sz="1600"/>
+                  <a:defRPr sz="1600">
+                    <a:latin typeface="+mj-lt"/>
+                    <a:ea typeface="+mj-ea"/>
+                    <a:cs typeface="+mj-cs"/>
+                    <a:sym typeface="Calibri"/>
+                  </a:defRPr>
                 </a:lvl1pPr>
               </a:lstStyle>
               <a:p>
@@ -6843,7 +7073,7 @@
             </p:nvSpPr>
             <p:spPr>
               <a:xfrm>
-                <a:off x="609075" y="1589878"/>
+                <a:off x="609075" y="1589882"/>
                 <a:ext cx="1194253" cy="342262"/>
               </a:xfrm>
               <a:prstGeom prst="rect">
@@ -6870,7 +7100,12 @@
               </a:bodyPr>
               <a:lstStyle>
                 <a:lvl1pPr>
-                  <a:defRPr sz="1600"/>
+                  <a:defRPr sz="1600">
+                    <a:latin typeface="+mj-lt"/>
+                    <a:ea typeface="+mj-ea"/>
+                    <a:cs typeface="+mj-cs"/>
+                    <a:sym typeface="Calibri"/>
+                  </a:defRPr>
                 </a:lvl1pPr>
               </a:lstStyle>
               <a:p>
@@ -6889,8 +7124,8 @@
             </p:nvSpPr>
             <p:spPr>
               <a:xfrm>
-                <a:off x="1318715" y="397554"/>
-                <a:ext cx="1045127" cy="342262"/>
+                <a:off x="1318715" y="397555"/>
+                <a:ext cx="1045128" cy="342262"/>
               </a:xfrm>
               <a:prstGeom prst="rect">
                 <a:avLst/>
@@ -6916,7 +7151,12 @@
               </a:bodyPr>
               <a:lstStyle>
                 <a:lvl1pPr>
-                  <a:defRPr sz="1600"/>
+                  <a:defRPr sz="1600">
+                    <a:latin typeface="+mj-lt"/>
+                    <a:ea typeface="+mj-ea"/>
+                    <a:cs typeface="+mj-cs"/>
+                    <a:sym typeface="Calibri"/>
+                  </a:defRPr>
                 </a:lvl1pPr>
               </a:lstStyle>
               <a:p>
@@ -6935,7 +7175,7 @@
             </p:nvSpPr>
             <p:spPr>
               <a:xfrm>
-                <a:off x="1538443" y="754801"/>
+                <a:off x="1538443" y="754803"/>
                 <a:ext cx="1020025" cy="342262"/>
               </a:xfrm>
               <a:prstGeom prst="rect">
@@ -6962,7 +7202,12 @@
               </a:bodyPr>
               <a:lstStyle>
                 <a:lvl1pPr>
-                  <a:defRPr sz="1600"/>
+                  <a:defRPr sz="1600">
+                    <a:latin typeface="+mj-lt"/>
+                    <a:ea typeface="+mj-ea"/>
+                    <a:cs typeface="+mj-cs"/>
+                    <a:sym typeface="Calibri"/>
+                  </a:defRPr>
                 </a:lvl1pPr>
               </a:lstStyle>
               <a:p>
@@ -6981,7 +7226,7 @@
             </p:nvSpPr>
             <p:spPr>
               <a:xfrm>
-                <a:off x="1900471" y="1589878"/>
+                <a:off x="1900471" y="1589882"/>
                 <a:ext cx="999190" cy="342262"/>
               </a:xfrm>
               <a:prstGeom prst="rect">
@@ -7008,7 +7253,12 @@
               </a:bodyPr>
               <a:lstStyle>
                 <a:lvl1pPr>
-                  <a:defRPr sz="1600"/>
+                  <a:defRPr sz="1600">
+                    <a:latin typeface="+mj-lt"/>
+                    <a:ea typeface="+mj-ea"/>
+                    <a:cs typeface="+mj-cs"/>
+                    <a:sym typeface="Calibri"/>
+                  </a:defRPr>
                 </a:lvl1pPr>
               </a:lstStyle>
               <a:p>
@@ -7027,8 +7277,8 @@
             </p:nvSpPr>
             <p:spPr>
               <a:xfrm>
-                <a:off x="1674455" y="1169714"/>
-                <a:ext cx="999189" cy="342262"/>
+                <a:off x="1674455" y="1169717"/>
+                <a:ext cx="999190" cy="342262"/>
               </a:xfrm>
               <a:prstGeom prst="rect">
                 <a:avLst/>
@@ -7054,7 +7304,12 @@
               </a:bodyPr>
               <a:lstStyle>
                 <a:lvl1pPr>
-                  <a:defRPr sz="1600"/>
+                  <a:defRPr sz="1600">
+                    <a:latin typeface="+mj-lt"/>
+                    <a:ea typeface="+mj-ea"/>
+                    <a:cs typeface="+mj-cs"/>
+                    <a:sym typeface="Calibri"/>
+                  </a:defRPr>
                 </a:lvl1pPr>
               </a:lstStyle>
               <a:p>
@@ -7074,10 +7329,10 @@
           </p:nvGrpSpPr>
           <p:grpSpPr>
             <a:xfrm>
-              <a:off x="-3" y="-5"/>
-              <a:ext cx="1975567" cy="1647891"/>
-              <a:chOff x="-1" y="-2"/>
-              <a:chExt cx="1975566" cy="1647889"/>
+              <a:off x="-3" y="-3"/>
+              <a:ext cx="1975570" cy="1647895"/>
+              <a:chOff x="-1" y="-1"/>
+              <a:chExt cx="1975569" cy="1647894"/>
             </a:xfrm>
           </p:grpSpPr>
           <p:grpSp>
@@ -7088,10 +7343,10 @@
             </p:nvGrpSpPr>
             <p:grpSpPr>
               <a:xfrm>
-                <a:off x="-2" y="-3"/>
-                <a:ext cx="1975567" cy="1647890"/>
-                <a:chOff x="0" y="-1"/>
-                <a:chExt cx="1975566" cy="1647889"/>
+                <a:off x="-2" y="-2"/>
+                <a:ext cx="1975570" cy="1647895"/>
+                <a:chOff x="-1" y="0"/>
+                <a:chExt cx="1975569" cy="1647894"/>
               </a:xfrm>
             </p:grpSpPr>
             <p:pic>
@@ -7113,8 +7368,8 @@
               </p:blipFill>
               <p:spPr>
                 <a:xfrm>
-                  <a:off x="155224" y="-2"/>
-                  <a:ext cx="1820342" cy="1647890"/>
+                  <a:off x="155224" y="-1"/>
+                  <a:ext cx="1820345" cy="1647895"/>
                 </a:xfrm>
                 <a:prstGeom prst="rect">
                   <a:avLst/>
@@ -7134,8 +7389,8 @@
               </p:nvSpPr>
               <p:spPr>
                 <a:xfrm>
-                  <a:off x="-1" y="1464437"/>
-                  <a:ext cx="310450" cy="183449"/>
+                  <a:off x="-2" y="1464442"/>
+                  <a:ext cx="310451" cy="183450"/>
                 </a:xfrm>
                 <a:prstGeom prst="rect">
                   <a:avLst/>
@@ -7163,6 +7418,10 @@
                       <a:solidFill>
                         <a:srgbClr val="FFFFFF"/>
                       </a:solidFill>
+                      <a:latin typeface="+mj-lt"/>
+                      <a:ea typeface="+mj-ea"/>
+                      <a:cs typeface="+mj-cs"/>
+                      <a:sym typeface="Calibri"/>
                     </a:defRPr>
                   </a:pPr>
                 </a:p>
@@ -7177,7 +7436,7 @@
             </p:nvSpPr>
             <p:spPr>
               <a:xfrm>
-                <a:off x="821830" y="808990"/>
+                <a:off x="821831" y="808993"/>
                 <a:ext cx="955570" cy="434337"/>
               </a:xfrm>
               <a:prstGeom prst="rect">
@@ -7201,7 +7460,12 @@
               </a:bodyPr>
               <a:lstStyle>
                 <a:lvl1pPr>
-                  <a:defRPr sz="2200"/>
+                  <a:defRPr sz="2200">
+                    <a:latin typeface="+mj-lt"/>
+                    <a:ea typeface="+mj-ea"/>
+                    <a:cs typeface="+mj-cs"/>
+                    <a:sym typeface="Calibri"/>
+                  </a:defRPr>
                 </a:lvl1pPr>
               </a:lstStyle>
               <a:p>
@@ -7246,7 +7510,12 @@
               <a:buSzPct val="100000"/>
               <a:buFont typeface="Arial"/>
               <a:buChar char="•"/>
-              <a:defRPr sz="2400"/>
+              <a:defRPr sz="2400">
+                <a:latin typeface="+mj-lt"/>
+                <a:ea typeface="+mj-ea"/>
+                <a:cs typeface="+mj-cs"/>
+                <a:sym typeface="Calibri"/>
+              </a:defRPr>
             </a:lvl1pPr>
           </a:lstStyle>
           <a:p>
@@ -7287,7 +7556,12 @@
           <a:lstStyle/>
           <a:p>
             <a:pPr>
-              <a:defRPr sz="2400"/>
+              <a:defRPr sz="2400">
+                <a:latin typeface="+mj-lt"/>
+                <a:ea typeface="+mj-ea"/>
+                <a:cs typeface="+mj-cs"/>
+                <a:sym typeface="Calibri"/>
+              </a:defRPr>
             </a:pPr>
             <a:r>
               <a:t>10 </a:t>
@@ -7504,8 +7778,8 @@
     <p:bldLst>
       <p:bldP build="whole" bldLvl="1" animBg="1" rev="0" advAuto="0" spid="147" grpId="4"/>
       <p:bldP build="whole" bldLvl="1" animBg="1" rev="0" advAuto="0" spid="126" grpId="1"/>
+      <p:bldP build="whole" bldLvl="1" animBg="1" rev="0" advAuto="0" spid="146" grpId="2"/>
       <p:bldP build="whole" bldLvl="1" animBg="1" rev="0" advAuto="0" spid="145" grpId="3"/>
-      <p:bldP build="whole" bldLvl="1" animBg="1" rev="0" advAuto="0" spid="146" grpId="2"/>
     </p:bldLst>
   </p:timing>
 </p:sld>
@@ -9145,7 +9419,7 @@
         <p:spPr>
           <a:xfrm>
             <a:off x="102163" y="973664"/>
-            <a:ext cx="1141990" cy="650237"/>
+            <a:ext cx="1141989" cy="650237"/>
           </a:xfrm>
           <a:prstGeom prst="rect">
             <a:avLst/>
@@ -9166,7 +9440,12 @@
           <a:lstStyle/>
           <a:p>
             <a:pPr>
-              <a:defRPr b="1" i="1"/>
+              <a:defRPr b="1" i="1">
+                <a:latin typeface="+mj-lt"/>
+                <a:ea typeface="+mj-ea"/>
+                <a:cs typeface="+mj-cs"/>
+                <a:sym typeface="Calibri"/>
+              </a:defRPr>
             </a:pPr>
             <a:r>
               <a:t>DeepNovo </a:t>
@@ -9174,7 +9453,12 @@
           </a:p>
           <a:p>
             <a:pPr>
-              <a:defRPr b="1" i="1"/>
+              <a:defRPr b="1" i="1">
+                <a:latin typeface="+mj-lt"/>
+                <a:ea typeface="+mj-ea"/>
+                <a:cs typeface="+mj-cs"/>
+                <a:sym typeface="Calibri"/>
+              </a:defRPr>
             </a:pPr>
             <a:r>
               <a:t>prediction</a:t>
@@ -9190,8 +9474,8 @@
         </p:nvSpPr>
         <p:spPr>
           <a:xfrm>
-            <a:off x="155353" y="2960889"/>
-            <a:ext cx="1291444" cy="1767837"/>
+            <a:off x="155352" y="2960889"/>
+            <a:ext cx="1291446" cy="1767837"/>
           </a:xfrm>
           <a:prstGeom prst="rect">
             <a:avLst/>
@@ -9212,7 +9496,12 @@
           <a:lstStyle/>
           <a:p>
             <a:pPr>
-              <a:defRPr b="1" i="1"/>
+              <a:defRPr b="1" i="1">
+                <a:latin typeface="+mj-lt"/>
+                <a:ea typeface="+mj-ea"/>
+                <a:cs typeface="+mj-cs"/>
+                <a:sym typeface="Calibri"/>
+              </a:defRPr>
             </a:pPr>
             <a:r>
               <a:t>Prediction from </a:t>
@@ -9220,7 +9509,12 @@
           </a:p>
           <a:p>
             <a:pPr>
-              <a:defRPr b="1" i="1"/>
+              <a:defRPr b="1" i="1">
+                <a:latin typeface="+mj-lt"/>
+                <a:ea typeface="+mj-ea"/>
+                <a:cs typeface="+mj-cs"/>
+                <a:sym typeface="Calibri"/>
+              </a:defRPr>
             </a:pPr>
             <a:r>
               <a:t>modified version </a:t>
@@ -9228,7 +9522,12 @@
           </a:p>
           <a:p>
             <a:pPr>
-              <a:defRPr b="1" i="1"/>
+              <a:defRPr b="1" i="1">
+                <a:latin typeface="+mj-lt"/>
+                <a:ea typeface="+mj-ea"/>
+                <a:cs typeface="+mj-cs"/>
+                <a:sym typeface="Calibri"/>
+              </a:defRPr>
             </a:pPr>
             <a:r>
               <a:t>of DeepNovo</a:t>
@@ -9245,7 +9544,7 @@
         <p:spPr>
           <a:xfrm>
             <a:off x="3400778" y="2744266"/>
-            <a:ext cx="508004" cy="250341"/>
+            <a:ext cx="508005" cy="250342"/>
           </a:xfrm>
           <a:custGeom>
             <a:avLst/>
@@ -9311,6 +9610,10 @@
                 <a:solidFill>
                   <a:srgbClr val="FFFFFF"/>
                 </a:solidFill>
+                <a:latin typeface="+mj-lt"/>
+                <a:ea typeface="+mj-ea"/>
+                <a:cs typeface="+mj-cs"/>
+                <a:sym typeface="Calibri"/>
               </a:defRPr>
             </a:pPr>
           </a:p>
@@ -9325,7 +9628,7 @@
         <p:spPr>
           <a:xfrm>
             <a:off x="2579509" y="6060001"/>
-            <a:ext cx="508005" cy="250341"/>
+            <a:ext cx="508006" cy="250342"/>
           </a:xfrm>
           <a:custGeom>
             <a:avLst/>
@@ -9391,6 +9694,10 @@
                 <a:solidFill>
                   <a:srgbClr val="FFFFFF"/>
                 </a:solidFill>
+                <a:latin typeface="+mj-lt"/>
+                <a:ea typeface="+mj-ea"/>
+                <a:cs typeface="+mj-cs"/>
+                <a:sym typeface="Calibri"/>
               </a:defRPr>
             </a:pPr>
           </a:p>
@@ -9405,7 +9712,7 @@
         <p:spPr>
           <a:xfrm>
             <a:off x="1428596" y="478556"/>
-            <a:ext cx="533544" cy="370837"/>
+            <a:ext cx="533543" cy="370837"/>
           </a:xfrm>
           <a:prstGeom prst="rect">
             <a:avLst/>
@@ -9423,7 +9730,16 @@
           <a:bodyPr wrap="none" lIns="45718" tIns="45718" rIns="45718" bIns="45718">
             <a:spAutoFit/>
           </a:bodyPr>
-          <a:lstStyle/>
+          <a:lstStyle>
+            <a:lvl1pPr>
+              <a:defRPr>
+                <a:latin typeface="+mj-lt"/>
+                <a:ea typeface="+mj-ea"/>
+                <a:cs typeface="+mj-cs"/>
+                <a:sym typeface="Calibri"/>
+              </a:defRPr>
+            </a:lvl1pPr>
+          </a:lstStyle>
           <a:p>
             <a:pPr/>
             <a:r>
@@ -9461,13 +9777,27 @@
           </a:bodyPr>
           <a:lstStyle/>
           <a:p>
-            <a:pPr/>
+            <a:pPr>
+              <a:defRPr>
+                <a:latin typeface="+mj-lt"/>
+                <a:ea typeface="+mj-ea"/>
+                <a:cs typeface="+mj-cs"/>
+                <a:sym typeface="Calibri"/>
+              </a:defRPr>
+            </a:pPr>
             <a:r>
               <a:t>Predicted </a:t>
             </a:r>
           </a:p>
           <a:p>
-            <a:pPr/>
+            <a:pPr>
+              <a:defRPr>
+                <a:latin typeface="+mj-lt"/>
+                <a:ea typeface="+mj-ea"/>
+                <a:cs typeface="+mj-cs"/>
+                <a:sym typeface="Calibri"/>
+              </a:defRPr>
+            </a:pPr>
             <a:r>
               <a:t>sequence</a:t>
             </a:r>
@@ -9482,7 +9812,7 @@
         </p:nvSpPr>
         <p:spPr>
           <a:xfrm>
-            <a:off x="4180275" y="369666"/>
+            <a:off x="4180275" y="369665"/>
             <a:ext cx="1041531" cy="650237"/>
           </a:xfrm>
           <a:prstGeom prst="rect">
@@ -9503,13 +9833,27 @@
           </a:bodyPr>
           <a:lstStyle/>
           <a:p>
-            <a:pPr/>
+            <a:pPr>
+              <a:defRPr>
+                <a:latin typeface="+mj-lt"/>
+                <a:ea typeface="+mj-ea"/>
+                <a:cs typeface="+mj-cs"/>
+                <a:sym typeface="Calibri"/>
+              </a:defRPr>
+            </a:pPr>
             <a:r>
               <a:t>Predicted </a:t>
             </a:r>
           </a:p>
           <a:p>
-            <a:pPr/>
+            <a:pPr>
+              <a:defRPr>
+                <a:latin typeface="+mj-lt"/>
+                <a:ea typeface="+mj-ea"/>
+                <a:cs typeface="+mj-cs"/>
+                <a:sym typeface="Calibri"/>
+              </a:defRPr>
+            </a:pPr>
             <a:r>
               <a:t>Score </a:t>
             </a:r>
@@ -9543,7 +9887,16 @@
           <a:bodyPr wrap="none" lIns="45718" tIns="45718" rIns="45718" bIns="45718">
             <a:spAutoFit/>
           </a:bodyPr>
-          <a:lstStyle/>
+          <a:lstStyle>
+            <a:lvl1pPr>
+              <a:defRPr>
+                <a:latin typeface="+mj-lt"/>
+                <a:ea typeface="+mj-ea"/>
+                <a:cs typeface="+mj-cs"/>
+                <a:sym typeface="Calibri"/>
+              </a:defRPr>
+            </a:lvl1pPr>
+          </a:lstStyle>
           <a:p>
             <a:pPr/>
             <a:r>
@@ -9561,7 +9914,7 @@
         <p:spPr>
           <a:xfrm>
             <a:off x="64483" y="973664"/>
-            <a:ext cx="8571512" cy="25479"/>
+            <a:ext cx="8571512" cy="25480"/>
           </a:xfrm>
           <a:prstGeom prst="line">
             <a:avLst/>
@@ -9595,8 +9948,8 @@
         </p:nvSpPr>
         <p:spPr>
           <a:xfrm flipV="1">
-            <a:off x="8635993" y="478553"/>
-            <a:ext cx="4" cy="5942006"/>
+            <a:off x="8635993" y="478552"/>
+            <a:ext cx="5" cy="5942007"/>
           </a:xfrm>
           <a:prstGeom prst="line">
             <a:avLst/>
@@ -9630,8 +9983,8 @@
         </p:nvSpPr>
         <p:spPr>
           <a:xfrm>
-            <a:off x="56441" y="6406369"/>
-            <a:ext cx="8579555" cy="39590"/>
+            <a:off x="56440" y="6406369"/>
+            <a:ext cx="8579556" cy="39591"/>
           </a:xfrm>
           <a:prstGeom prst="line">
             <a:avLst/>
@@ -9666,7 +10019,7 @@
         <p:spPr>
           <a:xfrm flipV="1">
             <a:off x="1294972" y="406428"/>
-            <a:ext cx="4" cy="5999943"/>
+            <a:ext cx="5" cy="5999944"/>
           </a:xfrm>
           <a:prstGeom prst="line">
             <a:avLst/>
@@ -9701,7 +10054,7 @@
         <p:spPr>
           <a:xfrm flipV="1">
             <a:off x="2294039" y="420539"/>
-            <a:ext cx="25398" cy="5999943"/>
+            <a:ext cx="25399" cy="5999944"/>
           </a:xfrm>
           <a:prstGeom prst="line">
             <a:avLst/>
@@ -9736,7 +10089,7 @@
         <p:spPr>
           <a:xfrm flipV="1">
             <a:off x="4072485" y="420539"/>
-            <a:ext cx="4" cy="5999943"/>
+            <a:ext cx="5" cy="5999944"/>
           </a:xfrm>
           <a:prstGeom prst="line">
             <a:avLst/>
@@ -9770,8 +10123,8 @@
         </p:nvSpPr>
         <p:spPr>
           <a:xfrm flipV="1">
-            <a:off x="5483149" y="383777"/>
-            <a:ext cx="25398" cy="6079038"/>
+            <a:off x="5483149" y="383776"/>
+            <a:ext cx="25399" cy="6079039"/>
           </a:xfrm>
           <a:prstGeom prst="line">
             <a:avLst/>
@@ -9840,8 +10193,8 @@
         </p:nvSpPr>
         <p:spPr>
           <a:xfrm flipH="1" flipV="1">
-            <a:off x="56442" y="364172"/>
-            <a:ext cx="8044" cy="6056387"/>
+            <a:off x="56442" y="364171"/>
+            <a:ext cx="8045" cy="6056388"/>
           </a:xfrm>
           <a:prstGeom prst="line">
             <a:avLst/>
@@ -9951,7 +10304,12 @@
           </a:bodyPr>
           <a:lstStyle>
             <a:lvl1pPr>
-              <a:defRPr sz="3200"/>
+              <a:defRPr sz="3200">
+                <a:latin typeface="+mj-lt"/>
+                <a:ea typeface="+mj-ea"/>
+                <a:cs typeface="+mj-cs"/>
+                <a:sym typeface="Calibri"/>
+              </a:defRPr>
             </a:lvl1pPr>
           </a:lstStyle>
           <a:p>
@@ -10017,7 +10375,12 @@
           </a:bodyPr>
           <a:lstStyle>
             <a:lvl1pPr>
-              <a:defRPr sz="1600"/>
+              <a:defRPr sz="1600">
+                <a:latin typeface="+mj-lt"/>
+                <a:ea typeface="+mj-ea"/>
+                <a:cs typeface="+mj-cs"/>
+                <a:sym typeface="Calibri"/>
+              </a:defRPr>
             </a:lvl1pPr>
           </a:lstStyle>
           <a:p>
@@ -10057,7 +10420,12 @@
           </a:bodyPr>
           <a:lstStyle>
             <a:lvl1pPr>
-              <a:defRPr sz="1600"/>
+              <a:defRPr sz="1600">
+                <a:latin typeface="+mj-lt"/>
+                <a:ea typeface="+mj-ea"/>
+                <a:cs typeface="+mj-cs"/>
+                <a:sym typeface="Calibri"/>
+              </a:defRPr>
             </a:lvl1pPr>
           </a:lstStyle>
           <a:p>
@@ -10136,8 +10504,8 @@
         </p:nvSpPr>
         <p:spPr>
           <a:xfrm>
-            <a:off x="1773425" y="62842"/>
-            <a:ext cx="4793413" cy="586738"/>
+            <a:off x="1773425" y="62841"/>
+            <a:ext cx="4793413" cy="586737"/>
           </a:xfrm>
           <a:prstGeom prst="rect">
             <a:avLst/>
@@ -10157,7 +10525,12 @@
           </a:bodyPr>
           <a:lstStyle>
             <a:lvl1pPr>
-              <a:defRPr sz="3200"/>
+              <a:defRPr sz="3200">
+                <a:latin typeface="+mj-lt"/>
+                <a:ea typeface="+mj-ea"/>
+                <a:cs typeface="+mj-cs"/>
+                <a:sym typeface="Calibri"/>
+              </a:defRPr>
             </a:lvl1pPr>
           </a:lstStyle>
           <a:p>
@@ -10214,7 +10587,7 @@
         <p:spPr>
           <a:xfrm>
             <a:off x="182021" y="707488"/>
-            <a:ext cx="3825804" cy="2669080"/>
+            <a:ext cx="3825805" cy="2669080"/>
           </a:xfrm>
           <a:prstGeom prst="rect">
             <a:avLst/>
@@ -10244,7 +10617,7 @@
         <p:spPr>
           <a:xfrm>
             <a:off x="4489496" y="707488"/>
-            <a:ext cx="3979787" cy="2732602"/>
+            <a:ext cx="3979788" cy="2732602"/>
           </a:xfrm>
           <a:prstGeom prst="rect">
             <a:avLst/>
@@ -10262,8 +10635,8 @@
         </p:nvSpPr>
         <p:spPr>
           <a:xfrm>
-            <a:off x="3931661" y="218703"/>
-            <a:ext cx="1280673" cy="586737"/>
+            <a:off x="3931661" y="218702"/>
+            <a:ext cx="1280673" cy="586738"/>
           </a:xfrm>
           <a:prstGeom prst="rect">
             <a:avLst/>
@@ -10283,7 +10656,12 @@
           </a:bodyPr>
           <a:lstStyle>
             <a:lvl1pPr>
-              <a:defRPr sz="3200"/>
+              <a:defRPr sz="3200">
+                <a:latin typeface="+mj-lt"/>
+                <a:ea typeface="+mj-ea"/>
+                <a:cs typeface="+mj-cs"/>
+                <a:sym typeface="Calibri"/>
+              </a:defRPr>
             </a:lvl1pPr>
           </a:lstStyle>
           <a:p>
@@ -10302,7 +10680,7 @@
         </p:nvGraphicFramePr>
         <p:xfrm>
           <a:off x="644214" y="4312220"/>
-          <a:ext cx="3495498" cy="1483364"/>
+          <a:ext cx="3495498" cy="1483365"/>
         </p:xfrm>
         <a:graphic xmlns:a="http://schemas.openxmlformats.org/drawingml/2006/main">
           <a:graphicData uri="http://schemas.openxmlformats.org/drawingml/2006/table">
@@ -10787,9 +11165,9 @@
         <p:grpSpPr>
           <a:xfrm>
             <a:off x="4437307" y="1490981"/>
-            <a:ext cx="4347923" cy="5405124"/>
+            <a:ext cx="4347925" cy="5405126"/>
             <a:chOff x="0" y="0"/>
-            <a:chExt cx="4347922" cy="5405123"/>
+            <a:chExt cx="4347924" cy="5405126"/>
           </a:xfrm>
         </p:grpSpPr>
         <p:sp>
@@ -10800,7 +11178,7 @@
           </p:nvSpPr>
           <p:spPr>
             <a:xfrm>
-              <a:off x="0" y="0"/>
+              <a:off x="0" y="-1"/>
               <a:ext cx="351315" cy="243837"/>
             </a:xfrm>
             <a:prstGeom prst="rect">
@@ -10828,10 +11206,6 @@
                   <a:solidFill>
                     <a:srgbClr val="FFFFFF"/>
                   </a:solidFill>
-                  <a:latin typeface="+mn-lt"/>
-                  <a:ea typeface="+mn-ea"/>
-                  <a:cs typeface="+mn-cs"/>
-                  <a:sym typeface="Helvetica"/>
                 </a:defRPr>
               </a:lvl1pPr>
             </a:lstStyle>
@@ -10879,10 +11253,6 @@
                   <a:solidFill>
                     <a:srgbClr val="FFFFFF"/>
                   </a:solidFill>
-                  <a:latin typeface="+mn-lt"/>
-                  <a:ea typeface="+mn-ea"/>
-                  <a:cs typeface="+mn-cs"/>
-                  <a:sym typeface="Helvetica"/>
                 </a:defRPr>
               </a:lvl1pPr>
             </a:lstStyle>
@@ -10902,10 +11272,10 @@
           </p:nvGrpSpPr>
           <p:grpSpPr>
             <a:xfrm>
-              <a:off x="477344" y="1951165"/>
-              <a:ext cx="3870579" cy="3453959"/>
-              <a:chOff x="0" y="0"/>
-              <a:chExt cx="3870578" cy="3453958"/>
+              <a:off x="477342" y="1951164"/>
+              <a:ext cx="3870583" cy="3453962"/>
+              <a:chOff x="-2" y="0"/>
+              <a:chExt cx="3870582" cy="3453961"/>
             </a:xfrm>
           </p:grpSpPr>
           <p:grpSp>
@@ -10916,10 +11286,10 @@
             </p:nvGrpSpPr>
             <p:grpSpPr>
               <a:xfrm>
-                <a:off x="-1" y="-1"/>
-                <a:ext cx="3870579" cy="3453960"/>
-                <a:chOff x="0" y="0"/>
-                <a:chExt cx="3870578" cy="3453958"/>
+                <a:off x="-3" y="-1"/>
+                <a:ext cx="3870584" cy="3453962"/>
+                <a:chOff x="-1" y="0"/>
+                <a:chExt cx="3870582" cy="3453961"/>
               </a:xfrm>
             </p:grpSpPr>
             <p:pic>
@@ -10941,8 +11311,8 @@
               </p:blipFill>
               <p:spPr>
                 <a:xfrm>
-                  <a:off x="-1" y="0"/>
-                  <a:ext cx="3870580" cy="3453958"/>
+                  <a:off x="-2" y="0"/>
+                  <a:ext cx="3870584" cy="3453962"/>
                 </a:xfrm>
                 <a:prstGeom prst="rect">
                   <a:avLst/>
@@ -10990,10 +11360,6 @@
                       <a:solidFill>
                         <a:srgbClr val="FFFFFF"/>
                       </a:solidFill>
-                      <a:latin typeface="+mn-lt"/>
-                      <a:ea typeface="+mn-ea"/>
-                      <a:cs typeface="+mn-cs"/>
-                      <a:sym typeface="Helvetica"/>
                     </a:defRPr>
                   </a:lvl1pPr>
                 </a:lstStyle>
@@ -11013,7 +11379,7 @@
               </p:nvSpPr>
               <p:spPr>
                 <a:xfrm>
-                  <a:off x="2303957" y="2100137"/>
+                  <a:off x="2303958" y="2100139"/>
                   <a:ext cx="351316" cy="243837"/>
                 </a:xfrm>
                 <a:prstGeom prst="rect">
@@ -11041,10 +11407,6 @@
                       <a:solidFill>
                         <a:srgbClr val="FFFFFF"/>
                       </a:solidFill>
-                      <a:latin typeface="+mn-lt"/>
-                      <a:ea typeface="+mn-ea"/>
-                      <a:cs typeface="+mn-cs"/>
-                      <a:sym typeface="Helvetica"/>
                     </a:defRPr>
                   </a:lvl1pPr>
                 </a:lstStyle>
@@ -11089,12 +11451,7 @@
               </a:bodyPr>
               <a:lstStyle>
                 <a:lvl1pPr>
-                  <a:defRPr sz="1000">
-                    <a:latin typeface="+mn-lt"/>
-                    <a:ea typeface="+mn-ea"/>
-                    <a:cs typeface="+mn-cs"/>
-                    <a:sym typeface="Helvetica"/>
-                  </a:defRPr>
+                  <a:defRPr sz="1000"/>
                 </a:lvl1pPr>
               </a:lstStyle>
               <a:p>
@@ -11113,7 +11470,7 @@
             </p:nvSpPr>
             <p:spPr>
               <a:xfrm>
-                <a:off x="894255" y="2100136"/>
+                <a:off x="894255" y="2100137"/>
                 <a:ext cx="351316" cy="243837"/>
               </a:xfrm>
               <a:prstGeom prst="rect">
@@ -11137,12 +11494,7 @@
               </a:bodyPr>
               <a:lstStyle>
                 <a:lvl1pPr>
-                  <a:defRPr sz="1000">
-                    <a:latin typeface="+mn-lt"/>
-                    <a:ea typeface="+mn-ea"/>
-                    <a:cs typeface="+mn-cs"/>
-                    <a:sym typeface="Helvetica"/>
-                  </a:defRPr>
+                  <a:defRPr sz="1000"/>
                 </a:lvl1pPr>
               </a:lstStyle>
               <a:p>
@@ -11190,7 +11542,7 @@
         <p:spPr>
           <a:xfrm>
             <a:off x="1569459" y="270267"/>
-            <a:ext cx="6005073" cy="586737"/>
+            <a:ext cx="6005072" cy="586737"/>
           </a:xfrm>
           <a:prstGeom prst="rect">
             <a:avLst/>
@@ -11210,7 +11562,12 @@
           </a:bodyPr>
           <a:lstStyle>
             <a:lvl1pPr>
-              <a:defRPr sz="3200"/>
+              <a:defRPr sz="3200">
+                <a:latin typeface="+mj-lt"/>
+                <a:ea typeface="+mj-ea"/>
+                <a:cs typeface="+mj-cs"/>
+                <a:sym typeface="Calibri"/>
+              </a:defRPr>
             </a:lvl1pPr>
           </a:lstStyle>
           <a:p>
@@ -11229,7 +11586,7 @@
         </p:nvSpPr>
         <p:spPr>
           <a:xfrm>
-            <a:off x="639144" y="1191336"/>
+            <a:off x="639143" y="1191336"/>
             <a:ext cx="2817497" cy="421637"/>
           </a:xfrm>
           <a:prstGeom prst="rect">
@@ -11250,7 +11607,12 @@
           </a:bodyPr>
           <a:lstStyle>
             <a:lvl1pPr>
-              <a:defRPr sz="2100"/>
+              <a:defRPr sz="2100">
+                <a:latin typeface="+mj-lt"/>
+                <a:ea typeface="+mj-ea"/>
+                <a:cs typeface="+mj-cs"/>
+                <a:sym typeface="Calibri"/>
+              </a:defRPr>
             </a:lvl1pPr>
           </a:lstStyle>
           <a:p>
@@ -11269,7 +11631,7 @@
         </p:nvSpPr>
         <p:spPr>
           <a:xfrm>
-            <a:off x="626444" y="1718909"/>
+            <a:off x="626443" y="1718909"/>
             <a:ext cx="2587484" cy="370837"/>
           </a:xfrm>
           <a:prstGeom prst="rect">
@@ -11288,7 +11650,16 @@
           <a:bodyPr wrap="none" lIns="45718" tIns="45718" rIns="45718" bIns="45718">
             <a:spAutoFit/>
           </a:bodyPr>
-          <a:lstStyle/>
+          <a:lstStyle>
+            <a:lvl1pPr>
+              <a:defRPr>
+                <a:latin typeface="+mj-lt"/>
+                <a:ea typeface="+mj-ea"/>
+                <a:cs typeface="+mj-cs"/>
+                <a:sym typeface="Calibri"/>
+              </a:defRPr>
+            </a:lvl1pPr>
+          </a:lstStyle>
           <a:p>
             <a:pPr/>
             <a:r>
@@ -11305,7 +11676,7 @@
         </p:nvGraphicFramePr>
         <p:xfrm>
           <a:off x="1553488" y="4744806"/>
-          <a:ext cx="5544019" cy="1407163"/>
+          <a:ext cx="5544019" cy="1407164"/>
         </p:xfrm>
         <a:graphic xmlns:a="http://schemas.openxmlformats.org/drawingml/2006/main">
           <a:graphicData uri="http://schemas.openxmlformats.org/drawingml/2006/table">
@@ -12112,7 +12483,7 @@
         </p:nvSpPr>
         <p:spPr>
           <a:xfrm>
-            <a:off x="3169963" y="1750659"/>
+            <a:off x="3169962" y="1750659"/>
             <a:ext cx="5458192" cy="307337"/>
           </a:xfrm>
           <a:prstGeom prst="rect">
@@ -12133,7 +12504,12 @@
           </a:bodyPr>
           <a:lstStyle>
             <a:lvl1pPr defTabSz="355600">
-              <a:defRPr sz="1400"/>
+              <a:defRPr sz="1400">
+                <a:latin typeface="+mj-lt"/>
+                <a:ea typeface="+mj-ea"/>
+                <a:cs typeface="+mj-cs"/>
+                <a:sym typeface="Calibri"/>
+              </a:defRPr>
             </a:lvl1pPr>
           </a:lstStyle>
           <a:p>
@@ -12182,6 +12558,10 @@
                     <a:srgbClr val="0000FF"/>
                   </a:solidFill>
                 </a:uFill>
+                <a:latin typeface="+mj-lt"/>
+                <a:ea typeface="+mj-ea"/>
+                <a:cs typeface="+mj-cs"/>
+                <a:sym typeface="Calibri"/>
                 <a:hlinkClick r:id="rId2" invalidUrl="" action="" tgtFrame="" tooltip="" history="1" highlightClick="0" endSnd="0"/>
               </a:defRPr>
             </a:lvl1pPr>
@@ -12205,7 +12585,7 @@
         </p:nvSpPr>
         <p:spPr>
           <a:xfrm>
-            <a:off x="626445" y="2304401"/>
+            <a:off x="626444" y="2304401"/>
             <a:ext cx="8113621" cy="650237"/>
           </a:xfrm>
           <a:prstGeom prst="rect">
@@ -12226,13 +12606,27 @@
           </a:bodyPr>
           <a:lstStyle/>
           <a:p>
-            <a:pPr/>
+            <a:pPr>
+              <a:defRPr>
+                <a:latin typeface="+mj-lt"/>
+                <a:ea typeface="+mj-ea"/>
+                <a:cs typeface="+mj-cs"/>
+                <a:sym typeface="Calibri"/>
+              </a:defRPr>
+            </a:pPr>
             <a:r>
               <a:t>Data was pre-processed similarly to generate peptides in the correct format for model </a:t>
             </a:r>
           </a:p>
           <a:p>
-            <a:pPr/>
+            <a:pPr>
+              <a:defRPr>
+                <a:latin typeface="+mj-lt"/>
+                <a:ea typeface="+mj-ea"/>
+                <a:cs typeface="+mj-cs"/>
+                <a:sym typeface="Calibri"/>
+              </a:defRPr>
+            </a:pPr>
             <a:r>
               <a:t>validation.</a:t>
             </a:r>
@@ -12266,7 +12660,16 @@
           <a:bodyPr wrap="none" lIns="45718" tIns="45718" rIns="45718" bIns="45718">
             <a:spAutoFit/>
           </a:bodyPr>
-          <a:lstStyle/>
+          <a:lstStyle>
+            <a:lvl1pPr>
+              <a:defRPr>
+                <a:latin typeface="+mj-lt"/>
+                <a:ea typeface="+mj-ea"/>
+                <a:cs typeface="+mj-cs"/>
+                <a:sym typeface="Calibri"/>
+              </a:defRPr>
+            </a:lvl1pPr>
+          </a:lstStyle>
           <a:p>
             <a:pPr/>
             <a:r>
@@ -12284,7 +12687,7 @@
         <p:spPr>
           <a:xfrm>
             <a:off x="873950" y="3576597"/>
-            <a:ext cx="1669623" cy="370837"/>
+            <a:ext cx="1669622" cy="370837"/>
           </a:xfrm>
           <a:prstGeom prst="rect">
             <a:avLst/>
@@ -12302,7 +12705,16 @@
           <a:bodyPr wrap="none" lIns="45718" tIns="45718" rIns="45718" bIns="45718">
             <a:spAutoFit/>
           </a:bodyPr>
-          <a:lstStyle/>
+          <a:lstStyle>
+            <a:lvl1pPr>
+              <a:defRPr>
+                <a:latin typeface="+mj-lt"/>
+                <a:ea typeface="+mj-ea"/>
+                <a:cs typeface="+mj-cs"/>
+                <a:sym typeface="Calibri"/>
+              </a:defRPr>
+            </a:lvl1pPr>
+          </a:lstStyle>
           <a:p>
             <a:pPr/>
             <a:r>
@@ -12338,7 +12750,16 @@
           <a:bodyPr wrap="none" lIns="45718" tIns="45718" rIns="45718" bIns="45718">
             <a:spAutoFit/>
           </a:bodyPr>
-          <a:lstStyle/>
+          <a:lstStyle>
+            <a:lvl1pPr>
+              <a:defRPr>
+                <a:latin typeface="+mj-lt"/>
+                <a:ea typeface="+mj-ea"/>
+                <a:cs typeface="+mj-cs"/>
+                <a:sym typeface="Calibri"/>
+              </a:defRPr>
+            </a:lvl1pPr>
+          </a:lstStyle>
           <a:p>
             <a:pPr/>
             <a:r>
@@ -12611,10 +13032,10 @@
             </a:solidFill>
             <a:effectLst/>
             <a:uFillTx/>
-            <a:latin typeface="+mj-lt"/>
-            <a:ea typeface="+mj-ea"/>
-            <a:cs typeface="+mj-cs"/>
-            <a:sym typeface="Calibri"/>
+            <a:latin typeface="+mn-lt"/>
+            <a:ea typeface="+mn-ea"/>
+            <a:cs typeface="+mn-cs"/>
+            <a:sym typeface="Helvetica"/>
           </a:defRPr>
         </a:defPPr>
         <a:lvl1pPr marL="0" marR="0" indent="0" algn="l" defTabSz="914400" rtl="0" fontAlgn="auto" latinLnBrk="1" hangingPunct="0">
@@ -13188,10 +13609,10 @@
             </a:solidFill>
             <a:effectLst/>
             <a:uFillTx/>
-            <a:latin typeface="+mj-lt"/>
-            <a:ea typeface="+mj-ea"/>
-            <a:cs typeface="+mj-cs"/>
-            <a:sym typeface="Calibri"/>
+            <a:latin typeface="+mn-lt"/>
+            <a:ea typeface="+mn-ea"/>
+            <a:cs typeface="+mn-cs"/>
+            <a:sym typeface="Helvetica"/>
           </a:defRPr>
         </a:defPPr>
         <a:lvl1pPr marL="0" marR="0" indent="0" algn="l" defTabSz="914400" rtl="0" fontAlgn="auto" latinLnBrk="1" hangingPunct="0">
@@ -13695,10 +14116,10 @@
             </a:solidFill>
             <a:effectLst/>
             <a:uFillTx/>
-            <a:latin typeface="+mj-lt"/>
-            <a:ea typeface="+mj-ea"/>
-            <a:cs typeface="+mj-cs"/>
-            <a:sym typeface="Calibri"/>
+            <a:latin typeface="+mn-lt"/>
+            <a:ea typeface="+mn-ea"/>
+            <a:cs typeface="+mn-cs"/>
+            <a:sym typeface="Helvetica"/>
           </a:defRPr>
         </a:defPPr>
         <a:lvl1pPr marL="0" marR="0" indent="0" algn="l" defTabSz="914400" rtl="0" fontAlgn="auto" latinLnBrk="1" hangingPunct="0">
@@ -14272,10 +14693,10 @@
             </a:solidFill>
             <a:effectLst/>
             <a:uFillTx/>
-            <a:latin typeface="+mj-lt"/>
-            <a:ea typeface="+mj-ea"/>
-            <a:cs typeface="+mj-cs"/>
-            <a:sym typeface="Calibri"/>
+            <a:latin typeface="+mn-lt"/>
+            <a:ea typeface="+mn-ea"/>
+            <a:cs typeface="+mn-cs"/>
+            <a:sym typeface="Helvetica"/>
           </a:defRPr>
         </a:defPPr>
         <a:lvl1pPr marL="0" marR="0" indent="0" algn="l" defTabSz="914400" rtl="0" fontAlgn="auto" latinLnBrk="1" hangingPunct="0">
